--- a/2018電資營_資工實作_game.pptx
+++ b/2018電資營_資工實作_game.pptx
@@ -4,6 +4,9 @@
   <p:sldMasterIdLst>
     <p:sldMasterId id="2147483648" r:id="rId1"/>
   </p:sldMasterIdLst>
+  <p:notesMasterIdLst>
+    <p:notesMasterId r:id="rId35"/>
+  </p:notesMasterIdLst>
   <p:sldIdLst>
     <p:sldId id="256" r:id="rId2"/>
     <p:sldId id="270" r:id="rId3"/>
@@ -14,25 +17,30 @@
     <p:sldId id="274" r:id="rId8"/>
     <p:sldId id="275" r:id="rId9"/>
     <p:sldId id="281" r:id="rId10"/>
-    <p:sldId id="285" r:id="rId11"/>
-    <p:sldId id="283" r:id="rId12"/>
-    <p:sldId id="257" r:id="rId13"/>
-    <p:sldId id="268" r:id="rId14"/>
-    <p:sldId id="278" r:id="rId15"/>
-    <p:sldId id="259" r:id="rId16"/>
-    <p:sldId id="277" r:id="rId17"/>
-    <p:sldId id="260" r:id="rId18"/>
-    <p:sldId id="276" r:id="rId19"/>
-    <p:sldId id="258" r:id="rId20"/>
-    <p:sldId id="261" r:id="rId21"/>
-    <p:sldId id="262" r:id="rId22"/>
-    <p:sldId id="280" r:id="rId23"/>
-    <p:sldId id="279" r:id="rId24"/>
-    <p:sldId id="266" r:id="rId25"/>
-    <p:sldId id="264" r:id="rId26"/>
-    <p:sldId id="269" r:id="rId27"/>
-    <p:sldId id="265" r:id="rId28"/>
-    <p:sldId id="267" r:id="rId29"/>
+    <p:sldId id="257" r:id="rId11"/>
+    <p:sldId id="268" r:id="rId12"/>
+    <p:sldId id="278" r:id="rId13"/>
+    <p:sldId id="286" r:id="rId14"/>
+    <p:sldId id="287" r:id="rId15"/>
+    <p:sldId id="288" r:id="rId16"/>
+    <p:sldId id="289" r:id="rId17"/>
+    <p:sldId id="290" r:id="rId18"/>
+    <p:sldId id="259" r:id="rId19"/>
+    <p:sldId id="291" r:id="rId20"/>
+    <p:sldId id="292" r:id="rId21"/>
+    <p:sldId id="277" r:id="rId22"/>
+    <p:sldId id="260" r:id="rId23"/>
+    <p:sldId id="276" r:id="rId24"/>
+    <p:sldId id="258" r:id="rId25"/>
+    <p:sldId id="261" r:id="rId26"/>
+    <p:sldId id="262" r:id="rId27"/>
+    <p:sldId id="280" r:id="rId28"/>
+    <p:sldId id="279" r:id="rId29"/>
+    <p:sldId id="266" r:id="rId30"/>
+    <p:sldId id="264" r:id="rId31"/>
+    <p:sldId id="269" r:id="rId32"/>
+    <p:sldId id="265" r:id="rId33"/>
+    <p:sldId id="267" r:id="rId34"/>
   </p:sldIdLst>
   <p:sldSz cx="12192000" cy="6858000"/>
   <p:notesSz cx="6858000" cy="9144000"/>
@@ -139,6 +147,440 @@
 </p:presentation>
 </file>
 
+<file path=ppt/notesMasters/notesMaster1.xml><?xml version="1.0" encoding="utf-8"?>
+<p:notesMaster xmlns:a="http://schemas.openxmlformats.org/drawingml/2006/main" xmlns:r="http://schemas.openxmlformats.org/officeDocument/2006/relationships" xmlns:p="http://schemas.openxmlformats.org/presentationml/2006/main">
+  <p:cSld>
+    <p:bg>
+      <p:bgRef idx="1001">
+        <a:schemeClr val="bg1"/>
+      </p:bgRef>
+    </p:bg>
+    <p:spTree>
+      <p:nvGrpSpPr>
+        <p:cNvPr id="1" name=""/>
+        <p:cNvGrpSpPr/>
+        <p:nvPr/>
+      </p:nvGrpSpPr>
+      <p:grpSpPr>
+        <a:xfrm>
+          <a:off x="0" y="0"/>
+          <a:ext cx="0" cy="0"/>
+          <a:chOff x="0" y="0"/>
+          <a:chExt cx="0" cy="0"/>
+        </a:xfrm>
+      </p:grpSpPr>
+      <p:sp>
+        <p:nvSpPr>
+          <p:cNvPr id="2" name="Header Placeholder 1"/>
+          <p:cNvSpPr>
+            <a:spLocks noGrp="1"/>
+          </p:cNvSpPr>
+          <p:nvPr>
+            <p:ph type="hdr" sz="quarter"/>
+          </p:nvPr>
+        </p:nvSpPr>
+        <p:spPr>
+          <a:xfrm>
+            <a:off x="0" y="0"/>
+            <a:ext cx="2971800" cy="458788"/>
+          </a:xfrm>
+          <a:prstGeom prst="rect">
+            <a:avLst/>
+          </a:prstGeom>
+        </p:spPr>
+        <p:txBody>
+          <a:bodyPr vert="horz" lIns="91440" tIns="45720" rIns="91440" bIns="45720" rtlCol="0"/>
+          <a:lstStyle>
+            <a:lvl1pPr algn="l">
+              <a:defRPr sz="1200"/>
+            </a:lvl1pPr>
+          </a:lstStyle>
+          <a:p>
+            <a:endParaRPr lang="zh-TW" altLang="en-US"/>
+          </a:p>
+        </p:txBody>
+      </p:sp>
+      <p:sp>
+        <p:nvSpPr>
+          <p:cNvPr id="3" name="Date Placeholder 2"/>
+          <p:cNvSpPr>
+            <a:spLocks noGrp="1"/>
+          </p:cNvSpPr>
+          <p:nvPr>
+            <p:ph type="dt" idx="1"/>
+          </p:nvPr>
+        </p:nvSpPr>
+        <p:spPr>
+          <a:xfrm>
+            <a:off x="3884613" y="0"/>
+            <a:ext cx="2971800" cy="458788"/>
+          </a:xfrm>
+          <a:prstGeom prst="rect">
+            <a:avLst/>
+          </a:prstGeom>
+        </p:spPr>
+        <p:txBody>
+          <a:bodyPr vert="horz" lIns="91440" tIns="45720" rIns="91440" bIns="45720" rtlCol="0"/>
+          <a:lstStyle>
+            <a:lvl1pPr algn="r">
+              <a:defRPr sz="1200"/>
+            </a:lvl1pPr>
+          </a:lstStyle>
+          <a:p>
+            <a:fld id="{81D37F68-D007-42A8-98FA-86BD767A2913}" type="datetimeFigureOut">
+              <a:rPr lang="zh-TW" altLang="en-US" smtClean="0"/>
+              <a:t>2018/7/1</a:t>
+            </a:fld>
+            <a:endParaRPr lang="zh-TW" altLang="en-US"/>
+          </a:p>
+        </p:txBody>
+      </p:sp>
+      <p:sp>
+        <p:nvSpPr>
+          <p:cNvPr id="4" name="Slide Image Placeholder 3"/>
+          <p:cNvSpPr>
+            <a:spLocks noGrp="1" noRot="1" noChangeAspect="1"/>
+          </p:cNvSpPr>
+          <p:nvPr>
+            <p:ph type="sldImg" idx="2"/>
+          </p:nvPr>
+        </p:nvSpPr>
+        <p:spPr>
+          <a:xfrm>
+            <a:off x="685800" y="1143000"/>
+            <a:ext cx="5486400" cy="3086100"/>
+          </a:xfrm>
+          <a:prstGeom prst="rect">
+            <a:avLst/>
+          </a:prstGeom>
+          <a:noFill/>
+          <a:ln w="12700">
+            <a:solidFill>
+              <a:prstClr val="black"/>
+            </a:solidFill>
+          </a:ln>
+        </p:spPr>
+        <p:txBody>
+          <a:bodyPr vert="horz" lIns="91440" tIns="45720" rIns="91440" bIns="45720" rtlCol="0" anchor="ctr"/>
+          <a:lstStyle/>
+          <a:p>
+            <a:endParaRPr lang="zh-TW" altLang="en-US"/>
+          </a:p>
+        </p:txBody>
+      </p:sp>
+      <p:sp>
+        <p:nvSpPr>
+          <p:cNvPr id="5" name="Notes Placeholder 4"/>
+          <p:cNvSpPr>
+            <a:spLocks noGrp="1"/>
+          </p:cNvSpPr>
+          <p:nvPr>
+            <p:ph type="body" sz="quarter" idx="3"/>
+          </p:nvPr>
+        </p:nvSpPr>
+        <p:spPr>
+          <a:xfrm>
+            <a:off x="685800" y="4400550"/>
+            <a:ext cx="5486400" cy="3600450"/>
+          </a:xfrm>
+          <a:prstGeom prst="rect">
+            <a:avLst/>
+          </a:prstGeom>
+        </p:spPr>
+        <p:txBody>
+          <a:bodyPr vert="horz" lIns="91440" tIns="45720" rIns="91440" bIns="45720" rtlCol="0"/>
+          <a:lstStyle/>
+          <a:p>
+            <a:pPr lvl="0"/>
+            <a:r>
+              <a:rPr lang="en-US" altLang="zh-TW" smtClean="0"/>
+              <a:t>Edit Master text styles</a:t>
+            </a:r>
+          </a:p>
+          <a:p>
+            <a:pPr lvl="1"/>
+            <a:r>
+              <a:rPr lang="en-US" altLang="zh-TW" smtClean="0"/>
+              <a:t>Second level</a:t>
+            </a:r>
+          </a:p>
+          <a:p>
+            <a:pPr lvl="2"/>
+            <a:r>
+              <a:rPr lang="en-US" altLang="zh-TW" smtClean="0"/>
+              <a:t>Third level</a:t>
+            </a:r>
+          </a:p>
+          <a:p>
+            <a:pPr lvl="3"/>
+            <a:r>
+              <a:rPr lang="en-US" altLang="zh-TW" smtClean="0"/>
+              <a:t>Fourth level</a:t>
+            </a:r>
+          </a:p>
+          <a:p>
+            <a:pPr lvl="4"/>
+            <a:r>
+              <a:rPr lang="en-US" altLang="zh-TW" smtClean="0"/>
+              <a:t>Fifth level</a:t>
+            </a:r>
+            <a:endParaRPr lang="zh-TW" altLang="en-US"/>
+          </a:p>
+        </p:txBody>
+      </p:sp>
+      <p:sp>
+        <p:nvSpPr>
+          <p:cNvPr id="6" name="Footer Placeholder 5"/>
+          <p:cNvSpPr>
+            <a:spLocks noGrp="1"/>
+          </p:cNvSpPr>
+          <p:nvPr>
+            <p:ph type="ftr" sz="quarter" idx="4"/>
+          </p:nvPr>
+        </p:nvSpPr>
+        <p:spPr>
+          <a:xfrm>
+            <a:off x="0" y="8685213"/>
+            <a:ext cx="2971800" cy="458787"/>
+          </a:xfrm>
+          <a:prstGeom prst="rect">
+            <a:avLst/>
+          </a:prstGeom>
+        </p:spPr>
+        <p:txBody>
+          <a:bodyPr vert="horz" lIns="91440" tIns="45720" rIns="91440" bIns="45720" rtlCol="0" anchor="b"/>
+          <a:lstStyle>
+            <a:lvl1pPr algn="l">
+              <a:defRPr sz="1200"/>
+            </a:lvl1pPr>
+          </a:lstStyle>
+          <a:p>
+            <a:endParaRPr lang="zh-TW" altLang="en-US"/>
+          </a:p>
+        </p:txBody>
+      </p:sp>
+      <p:sp>
+        <p:nvSpPr>
+          <p:cNvPr id="7" name="Slide Number Placeholder 6"/>
+          <p:cNvSpPr>
+            <a:spLocks noGrp="1"/>
+          </p:cNvSpPr>
+          <p:nvPr>
+            <p:ph type="sldNum" sz="quarter" idx="5"/>
+          </p:nvPr>
+        </p:nvSpPr>
+        <p:spPr>
+          <a:xfrm>
+            <a:off x="3884613" y="8685213"/>
+            <a:ext cx="2971800" cy="458787"/>
+          </a:xfrm>
+          <a:prstGeom prst="rect">
+            <a:avLst/>
+          </a:prstGeom>
+        </p:spPr>
+        <p:txBody>
+          <a:bodyPr vert="horz" lIns="91440" tIns="45720" rIns="91440" bIns="45720" rtlCol="0" anchor="b"/>
+          <a:lstStyle>
+            <a:lvl1pPr algn="r">
+              <a:defRPr sz="1200"/>
+            </a:lvl1pPr>
+          </a:lstStyle>
+          <a:p>
+            <a:fld id="{EB46C839-21A5-47FD-9E23-167FF7E76434}" type="slidenum">
+              <a:rPr lang="zh-TW" altLang="en-US" smtClean="0"/>
+              <a:t>‹#›</a:t>
+            </a:fld>
+            <a:endParaRPr lang="zh-TW" altLang="en-US"/>
+          </a:p>
+        </p:txBody>
+      </p:sp>
+    </p:spTree>
+    <p:extLst>
+      <p:ext uri="{BB962C8B-B14F-4D97-AF65-F5344CB8AC3E}">
+        <p14:creationId xmlns:p14="http://schemas.microsoft.com/office/powerpoint/2010/main" val="4106237035"/>
+      </p:ext>
+    </p:extLst>
+  </p:cSld>
+  <p:clrMap bg1="lt1" tx1="dk1" bg2="lt2" tx2="dk2" accent1="accent1" accent2="accent2" accent3="accent3" accent4="accent4" accent5="accent5" accent6="accent6" hlink="hlink" folHlink="folHlink"/>
+  <p:notesStyle>
+    <a:lvl1pPr marL="0" algn="l" defTabSz="914400" rtl="0" eaLnBrk="1" latinLnBrk="0" hangingPunct="1">
+      <a:defRPr sz="1200" kern="1200">
+        <a:solidFill>
+          <a:schemeClr val="tx1"/>
+        </a:solidFill>
+        <a:latin typeface="+mn-lt"/>
+        <a:ea typeface="+mn-ea"/>
+        <a:cs typeface="+mn-cs"/>
+      </a:defRPr>
+    </a:lvl1pPr>
+    <a:lvl2pPr marL="457200" algn="l" defTabSz="914400" rtl="0" eaLnBrk="1" latinLnBrk="0" hangingPunct="1">
+      <a:defRPr sz="1200" kern="1200">
+        <a:solidFill>
+          <a:schemeClr val="tx1"/>
+        </a:solidFill>
+        <a:latin typeface="+mn-lt"/>
+        <a:ea typeface="+mn-ea"/>
+        <a:cs typeface="+mn-cs"/>
+      </a:defRPr>
+    </a:lvl2pPr>
+    <a:lvl3pPr marL="914400" algn="l" defTabSz="914400" rtl="0" eaLnBrk="1" latinLnBrk="0" hangingPunct="1">
+      <a:defRPr sz="1200" kern="1200">
+        <a:solidFill>
+          <a:schemeClr val="tx1"/>
+        </a:solidFill>
+        <a:latin typeface="+mn-lt"/>
+        <a:ea typeface="+mn-ea"/>
+        <a:cs typeface="+mn-cs"/>
+      </a:defRPr>
+    </a:lvl3pPr>
+    <a:lvl4pPr marL="1371600" algn="l" defTabSz="914400" rtl="0" eaLnBrk="1" latinLnBrk="0" hangingPunct="1">
+      <a:defRPr sz="1200" kern="1200">
+        <a:solidFill>
+          <a:schemeClr val="tx1"/>
+        </a:solidFill>
+        <a:latin typeface="+mn-lt"/>
+        <a:ea typeface="+mn-ea"/>
+        <a:cs typeface="+mn-cs"/>
+      </a:defRPr>
+    </a:lvl4pPr>
+    <a:lvl5pPr marL="1828800" algn="l" defTabSz="914400" rtl="0" eaLnBrk="1" latinLnBrk="0" hangingPunct="1">
+      <a:defRPr sz="1200" kern="1200">
+        <a:solidFill>
+          <a:schemeClr val="tx1"/>
+        </a:solidFill>
+        <a:latin typeface="+mn-lt"/>
+        <a:ea typeface="+mn-ea"/>
+        <a:cs typeface="+mn-cs"/>
+      </a:defRPr>
+    </a:lvl5pPr>
+    <a:lvl6pPr marL="2286000" algn="l" defTabSz="914400" rtl="0" eaLnBrk="1" latinLnBrk="0" hangingPunct="1">
+      <a:defRPr sz="1200" kern="1200">
+        <a:solidFill>
+          <a:schemeClr val="tx1"/>
+        </a:solidFill>
+        <a:latin typeface="+mn-lt"/>
+        <a:ea typeface="+mn-ea"/>
+        <a:cs typeface="+mn-cs"/>
+      </a:defRPr>
+    </a:lvl6pPr>
+    <a:lvl7pPr marL="2743200" algn="l" defTabSz="914400" rtl="0" eaLnBrk="1" latinLnBrk="0" hangingPunct="1">
+      <a:defRPr sz="1200" kern="1200">
+        <a:solidFill>
+          <a:schemeClr val="tx1"/>
+        </a:solidFill>
+        <a:latin typeface="+mn-lt"/>
+        <a:ea typeface="+mn-ea"/>
+        <a:cs typeface="+mn-cs"/>
+      </a:defRPr>
+    </a:lvl7pPr>
+    <a:lvl8pPr marL="3200400" algn="l" defTabSz="914400" rtl="0" eaLnBrk="1" latinLnBrk="0" hangingPunct="1">
+      <a:defRPr sz="1200" kern="1200">
+        <a:solidFill>
+          <a:schemeClr val="tx1"/>
+        </a:solidFill>
+        <a:latin typeface="+mn-lt"/>
+        <a:ea typeface="+mn-ea"/>
+        <a:cs typeface="+mn-cs"/>
+      </a:defRPr>
+    </a:lvl8pPr>
+    <a:lvl9pPr marL="3657600" algn="l" defTabSz="914400" rtl="0" eaLnBrk="1" latinLnBrk="0" hangingPunct="1">
+      <a:defRPr sz="1200" kern="1200">
+        <a:solidFill>
+          <a:schemeClr val="tx1"/>
+        </a:solidFill>
+        <a:latin typeface="+mn-lt"/>
+        <a:ea typeface="+mn-ea"/>
+        <a:cs typeface="+mn-cs"/>
+      </a:defRPr>
+    </a:lvl9pPr>
+  </p:notesStyle>
+</p:notesMaster>
+</file>
+
+<file path=ppt/notesSlides/notesSlide1.xml><?xml version="1.0" encoding="utf-8"?>
+<p:notes xmlns:a="http://schemas.openxmlformats.org/drawingml/2006/main" xmlns:r="http://schemas.openxmlformats.org/officeDocument/2006/relationships" xmlns:p="http://schemas.openxmlformats.org/presentationml/2006/main">
+  <p:cSld>
+    <p:spTree>
+      <p:nvGrpSpPr>
+        <p:cNvPr id="1" name=""/>
+        <p:cNvGrpSpPr/>
+        <p:nvPr/>
+      </p:nvGrpSpPr>
+      <p:grpSpPr>
+        <a:xfrm>
+          <a:off x="0" y="0"/>
+          <a:ext cx="0" cy="0"/>
+          <a:chOff x="0" y="0"/>
+          <a:chExt cx="0" cy="0"/>
+        </a:xfrm>
+      </p:grpSpPr>
+      <p:sp>
+        <p:nvSpPr>
+          <p:cNvPr id="2" name="Slide Image Placeholder 1"/>
+          <p:cNvSpPr>
+            <a:spLocks noGrp="1" noRot="1" noChangeAspect="1"/>
+          </p:cNvSpPr>
+          <p:nvPr>
+            <p:ph type="sldImg"/>
+          </p:nvPr>
+        </p:nvSpPr>
+        <p:spPr/>
+      </p:sp>
+      <p:sp>
+        <p:nvSpPr>
+          <p:cNvPr id="3" name="Notes Placeholder 2"/>
+          <p:cNvSpPr>
+            <a:spLocks noGrp="1"/>
+          </p:cNvSpPr>
+          <p:nvPr>
+            <p:ph type="body" idx="1"/>
+          </p:nvPr>
+        </p:nvSpPr>
+        <p:spPr/>
+        <p:txBody>
+          <a:bodyPr/>
+          <a:lstStyle/>
+          <a:p>
+            <a:endParaRPr lang="zh-TW" altLang="en-US" dirty="0"/>
+          </a:p>
+        </p:txBody>
+      </p:sp>
+      <p:sp>
+        <p:nvSpPr>
+          <p:cNvPr id="4" name="Slide Number Placeholder 3"/>
+          <p:cNvSpPr>
+            <a:spLocks noGrp="1"/>
+          </p:cNvSpPr>
+          <p:nvPr>
+            <p:ph type="sldNum" sz="quarter" idx="10"/>
+          </p:nvPr>
+        </p:nvSpPr>
+        <p:spPr/>
+        <p:txBody>
+          <a:bodyPr/>
+          <a:lstStyle/>
+          <a:p>
+            <a:fld id="{EB46C839-21A5-47FD-9E23-167FF7E76434}" type="slidenum">
+              <a:rPr lang="zh-TW" altLang="en-US" smtClean="0"/>
+              <a:t>1</a:t>
+            </a:fld>
+            <a:endParaRPr lang="zh-TW" altLang="en-US"/>
+          </a:p>
+        </p:txBody>
+      </p:sp>
+    </p:spTree>
+    <p:extLst>
+      <p:ext uri="{BB962C8B-B14F-4D97-AF65-F5344CB8AC3E}">
+        <p14:creationId xmlns:p14="http://schemas.microsoft.com/office/powerpoint/2010/main" val="4008227165"/>
+      </p:ext>
+    </p:extLst>
+  </p:cSld>
+  <p:clrMapOvr>
+    <a:masterClrMapping/>
+  </p:clrMapOvr>
+</p:notes>
+</file>
+
 <file path=ppt/slideLayouts/slideLayout1.xml><?xml version="1.0" encoding="utf-8"?>
 <p:sldLayout xmlns:a="http://schemas.openxmlformats.org/drawingml/2006/main" xmlns:r="http://schemas.openxmlformats.org/officeDocument/2006/relationships" xmlns:p="http://schemas.openxmlformats.org/presentationml/2006/main" type="title" preserve="1">
   <p:cSld name="Title Slide">
@@ -270,7 +712,7 @@
           <a:p>
             <a:fld id="{0A98B449-21C6-4E71-BF89-A0D90E337458}" type="datetimeFigureOut">
               <a:rPr lang="zh-TW" altLang="en-US" smtClean="0"/>
-              <a:t>2018/6/23</a:t>
+              <a:t>2018/7/1</a:t>
             </a:fld>
             <a:endParaRPr lang="zh-TW" altLang="en-US"/>
           </a:p>
@@ -440,7 +882,7 @@
           <a:p>
             <a:fld id="{0A98B449-21C6-4E71-BF89-A0D90E337458}" type="datetimeFigureOut">
               <a:rPr lang="zh-TW" altLang="en-US" smtClean="0"/>
-              <a:t>2018/6/23</a:t>
+              <a:t>2018/7/1</a:t>
             </a:fld>
             <a:endParaRPr lang="zh-TW" altLang="en-US"/>
           </a:p>
@@ -620,7 +1062,7 @@
           <a:p>
             <a:fld id="{0A98B449-21C6-4E71-BF89-A0D90E337458}" type="datetimeFigureOut">
               <a:rPr lang="zh-TW" altLang="en-US" smtClean="0"/>
-              <a:t>2018/6/23</a:t>
+              <a:t>2018/7/1</a:t>
             </a:fld>
             <a:endParaRPr lang="zh-TW" altLang="en-US"/>
           </a:p>
@@ -790,7 +1232,7 @@
           <a:p>
             <a:fld id="{0A98B449-21C6-4E71-BF89-A0D90E337458}" type="datetimeFigureOut">
               <a:rPr lang="zh-TW" altLang="en-US" smtClean="0"/>
-              <a:t>2018/6/23</a:t>
+              <a:t>2018/7/1</a:t>
             </a:fld>
             <a:endParaRPr lang="zh-TW" altLang="en-US"/>
           </a:p>
@@ -1036,7 +1478,7 @@
           <a:p>
             <a:fld id="{0A98B449-21C6-4E71-BF89-A0D90E337458}" type="datetimeFigureOut">
               <a:rPr lang="zh-TW" altLang="en-US" smtClean="0"/>
-              <a:t>2018/6/23</a:t>
+              <a:t>2018/7/1</a:t>
             </a:fld>
             <a:endParaRPr lang="zh-TW" altLang="en-US"/>
           </a:p>
@@ -1268,7 +1710,7 @@
           <a:p>
             <a:fld id="{0A98B449-21C6-4E71-BF89-A0D90E337458}" type="datetimeFigureOut">
               <a:rPr lang="zh-TW" altLang="en-US" smtClean="0"/>
-              <a:t>2018/6/23</a:t>
+              <a:t>2018/7/1</a:t>
             </a:fld>
             <a:endParaRPr lang="zh-TW" altLang="en-US"/>
           </a:p>
@@ -1635,7 +2077,7 @@
           <a:p>
             <a:fld id="{0A98B449-21C6-4E71-BF89-A0D90E337458}" type="datetimeFigureOut">
               <a:rPr lang="zh-TW" altLang="en-US" smtClean="0"/>
-              <a:t>2018/6/23</a:t>
+              <a:t>2018/7/1</a:t>
             </a:fld>
             <a:endParaRPr lang="zh-TW" altLang="en-US"/>
           </a:p>
@@ -1753,7 +2195,7 @@
           <a:p>
             <a:fld id="{0A98B449-21C6-4E71-BF89-A0D90E337458}" type="datetimeFigureOut">
               <a:rPr lang="zh-TW" altLang="en-US" smtClean="0"/>
-              <a:t>2018/6/23</a:t>
+              <a:t>2018/7/1</a:t>
             </a:fld>
             <a:endParaRPr lang="zh-TW" altLang="en-US"/>
           </a:p>
@@ -1848,7 +2290,7 @@
           <a:p>
             <a:fld id="{0A98B449-21C6-4E71-BF89-A0D90E337458}" type="datetimeFigureOut">
               <a:rPr lang="zh-TW" altLang="en-US" smtClean="0"/>
-              <a:t>2018/6/23</a:t>
+              <a:t>2018/7/1</a:t>
             </a:fld>
             <a:endParaRPr lang="zh-TW" altLang="en-US"/>
           </a:p>
@@ -2125,7 +2567,7 @@
           <a:p>
             <a:fld id="{0A98B449-21C6-4E71-BF89-A0D90E337458}" type="datetimeFigureOut">
               <a:rPr lang="zh-TW" altLang="en-US" smtClean="0"/>
-              <a:t>2018/6/23</a:t>
+              <a:t>2018/7/1</a:t>
             </a:fld>
             <a:endParaRPr lang="zh-TW" altLang="en-US"/>
           </a:p>
@@ -2378,7 +2820,7 @@
           <a:p>
             <a:fld id="{0A98B449-21C6-4E71-BF89-A0D90E337458}" type="datetimeFigureOut">
               <a:rPr lang="zh-TW" altLang="en-US" smtClean="0"/>
-              <a:t>2018/6/23</a:t>
+              <a:t>2018/7/1</a:t>
             </a:fld>
             <a:endParaRPr lang="zh-TW" altLang="en-US"/>
           </a:p>
@@ -2591,7 +3033,7 @@
           <a:p>
             <a:fld id="{0A98B449-21C6-4E71-BF89-A0D90E337458}" type="datetimeFigureOut">
               <a:rPr lang="zh-TW" altLang="en-US" smtClean="0"/>
-              <a:t>2018/6/23</a:t>
+              <a:t>2018/7/1</a:t>
             </a:fld>
             <a:endParaRPr lang="zh-TW" altLang="en-US"/>
           </a:p>
@@ -3029,12 +3471,27 @@
             <p:ph type="subTitle" idx="1"/>
           </p:nvPr>
         </p:nvSpPr>
-        <p:spPr/>
+        <p:spPr>
+          <a:xfrm>
+            <a:off x="1524000" y="4160178"/>
+            <a:ext cx="9144000" cy="1655762"/>
+          </a:xfrm>
+        </p:spPr>
         <p:txBody>
           <a:bodyPr/>
           <a:lstStyle/>
           <a:p>
-            <a:endParaRPr lang="zh-TW" altLang="en-US"/>
+            <a:r>
+              <a:rPr lang="en-US" altLang="zh-TW" dirty="0"/>
+              <a:t>2018 </a:t>
+            </a:r>
+            <a:r>
+              <a:rPr lang="zh-TW" altLang="en-US" dirty="0"/>
+              <a:t>交通大學電機資訊領袖營</a:t>
+            </a:r>
+          </a:p>
+          <a:p>
+            <a:endParaRPr lang="zh-TW" altLang="en-US" dirty="0"/>
           </a:p>
         </p:txBody>
       </p:sp>
@@ -3059,6 +3516,1568 @@
 </file>
 
 <file path=ppt/slides/slide10.xml><?xml version="1.0" encoding="utf-8"?>
+<p:sld xmlns:a="http://schemas.openxmlformats.org/drawingml/2006/main" xmlns:r="http://schemas.openxmlformats.org/officeDocument/2006/relationships" xmlns:p="http://schemas.openxmlformats.org/presentationml/2006/main">
+  <p:cSld>
+    <p:spTree>
+      <p:nvGrpSpPr>
+        <p:cNvPr id="1" name=""/>
+        <p:cNvGrpSpPr/>
+        <p:nvPr/>
+      </p:nvGrpSpPr>
+      <p:grpSpPr>
+        <a:xfrm>
+          <a:off x="0" y="0"/>
+          <a:ext cx="0" cy="0"/>
+          <a:chOff x="0" y="0"/>
+          <a:chExt cx="0" cy="0"/>
+        </a:xfrm>
+      </p:grpSpPr>
+      <p:sp>
+        <p:nvSpPr>
+          <p:cNvPr id="2" name="Title 1"/>
+          <p:cNvSpPr>
+            <a:spLocks noGrp="1"/>
+          </p:cNvSpPr>
+          <p:nvPr>
+            <p:ph type="title"/>
+          </p:nvPr>
+        </p:nvSpPr>
+        <p:spPr/>
+        <p:txBody>
+          <a:bodyPr/>
+          <a:lstStyle/>
+          <a:p>
+            <a:r>
+              <a:rPr lang="zh-TW" altLang="en-US" dirty="0" smtClean="0"/>
+              <a:t>遊戲目標</a:t>
+            </a:r>
+            <a:endParaRPr lang="zh-TW" altLang="en-US" dirty="0"/>
+          </a:p>
+        </p:txBody>
+      </p:sp>
+      <p:sp>
+        <p:nvSpPr>
+          <p:cNvPr id="3" name="Content Placeholder 2"/>
+          <p:cNvSpPr>
+            <a:spLocks noGrp="1"/>
+          </p:cNvSpPr>
+          <p:nvPr>
+            <p:ph idx="1"/>
+          </p:nvPr>
+        </p:nvSpPr>
+        <p:spPr/>
+        <p:txBody>
+          <a:bodyPr/>
+          <a:lstStyle/>
+          <a:p>
+            <a:r>
+              <a:rPr lang="zh-TW" altLang="en-US" dirty="0" smtClean="0"/>
+              <a:t>躲避或是打死殭屍</a:t>
+            </a:r>
+            <a:endParaRPr lang="en-US" altLang="zh-TW" dirty="0" smtClean="0"/>
+          </a:p>
+          <a:p>
+            <a:r>
+              <a:rPr lang="zh-TW" altLang="en-US" dirty="0" smtClean="0"/>
+              <a:t>在</a:t>
+            </a:r>
+            <a:r>
+              <a:rPr lang="zh-TW" altLang="en-US" dirty="0"/>
+              <a:t>時</a:t>
+            </a:r>
+            <a:r>
+              <a:rPr lang="zh-TW" altLang="en-US" dirty="0" smtClean="0"/>
+              <a:t>限內找到寶</a:t>
+            </a:r>
+            <a:r>
+              <a:rPr lang="zh-TW" altLang="en-US" dirty="0"/>
+              <a:t>藏</a:t>
+            </a:r>
+          </a:p>
+        </p:txBody>
+      </p:sp>
+    </p:spTree>
+    <p:extLst>
+      <p:ext uri="{BB962C8B-B14F-4D97-AF65-F5344CB8AC3E}">
+        <p14:creationId xmlns:p14="http://schemas.microsoft.com/office/powerpoint/2010/main" val="717991818"/>
+      </p:ext>
+    </p:extLst>
+  </p:cSld>
+  <p:clrMapOvr>
+    <a:masterClrMapping/>
+  </p:clrMapOvr>
+  <p:timing>
+    <p:tnLst>
+      <p:par>
+        <p:cTn id="1" dur="indefinite" restart="never" nodeType="tmRoot"/>
+      </p:par>
+    </p:tnLst>
+  </p:timing>
+</p:sld>
+</file>
+
+<file path=ppt/slides/slide11.xml><?xml version="1.0" encoding="utf-8"?>
+<p:sld xmlns:a="http://schemas.openxmlformats.org/drawingml/2006/main" xmlns:r="http://schemas.openxmlformats.org/officeDocument/2006/relationships" xmlns:p="http://schemas.openxmlformats.org/presentationml/2006/main">
+  <p:cSld>
+    <p:spTree>
+      <p:nvGrpSpPr>
+        <p:cNvPr id="1" name=""/>
+        <p:cNvGrpSpPr/>
+        <p:nvPr/>
+      </p:nvGrpSpPr>
+      <p:grpSpPr>
+        <a:xfrm>
+          <a:off x="0" y="0"/>
+          <a:ext cx="0" cy="0"/>
+          <a:chOff x="0" y="0"/>
+          <a:chExt cx="0" cy="0"/>
+        </a:xfrm>
+      </p:grpSpPr>
+      <p:sp>
+        <p:nvSpPr>
+          <p:cNvPr id="2" name="標題 1"/>
+          <p:cNvSpPr>
+            <a:spLocks noGrp="1"/>
+          </p:cNvSpPr>
+          <p:nvPr>
+            <p:ph type="title"/>
+          </p:nvPr>
+        </p:nvSpPr>
+        <p:spPr/>
+        <p:txBody>
+          <a:bodyPr/>
+          <a:lstStyle/>
+          <a:p>
+            <a:r>
+              <a:rPr lang="zh-TW" altLang="en-US" dirty="0" smtClean="0"/>
+              <a:t>什麼是</a:t>
+            </a:r>
+            <a:r>
+              <a:rPr lang="en-US" altLang="zh-TW" dirty="0" smtClean="0"/>
+              <a:t>sprite</a:t>
+            </a:r>
+            <a:r>
+              <a:rPr lang="zh-TW" altLang="en-US" dirty="0" smtClean="0"/>
+              <a:t> </a:t>
+            </a:r>
+            <a:r>
+              <a:rPr lang="en-US" altLang="zh-TW" dirty="0" smtClean="0"/>
+              <a:t>game?</a:t>
+            </a:r>
+            <a:endParaRPr lang="zh-TW" altLang="en-US" dirty="0"/>
+          </a:p>
+        </p:txBody>
+      </p:sp>
+      <p:sp>
+        <p:nvSpPr>
+          <p:cNvPr id="3" name="內容版面配置區 2"/>
+          <p:cNvSpPr>
+            <a:spLocks noGrp="1"/>
+          </p:cNvSpPr>
+          <p:nvPr>
+            <p:ph idx="1"/>
+          </p:nvPr>
+        </p:nvSpPr>
+        <p:spPr/>
+        <p:txBody>
+          <a:bodyPr/>
+          <a:lstStyle/>
+          <a:p>
+            <a:r>
+              <a:rPr lang="en-US" altLang="zh-TW" dirty="0">
+                <a:hlinkClick r:id="rId2"/>
+              </a:rPr>
+              <a:t>https://en.wikipedia.org/wiki/Sprite_(computer_graphics</a:t>
+            </a:r>
+            <a:r>
+              <a:rPr lang="en-US" altLang="zh-TW" dirty="0" smtClean="0">
+                <a:hlinkClick r:id="rId2"/>
+              </a:rPr>
+              <a:t>)</a:t>
+            </a:r>
+            <a:endParaRPr lang="en-US" altLang="zh-TW" dirty="0" smtClean="0"/>
+          </a:p>
+          <a:p>
+            <a:r>
+              <a:rPr lang="en-US" altLang="zh-TW" dirty="0"/>
+              <a:t>In </a:t>
+            </a:r>
+            <a:r>
+              <a:rPr lang="en-US" altLang="zh-TW" dirty="0">
+                <a:hlinkClick r:id="rId3" tooltip="Computer graphics"/>
+              </a:rPr>
+              <a:t>computer graphics</a:t>
+            </a:r>
+            <a:r>
+              <a:rPr lang="en-US" altLang="zh-TW" dirty="0"/>
+              <a:t>, a </a:t>
+            </a:r>
+            <a:r>
+              <a:rPr lang="en-US" altLang="zh-TW" b="1" dirty="0"/>
+              <a:t>sprite</a:t>
+            </a:r>
+            <a:r>
+              <a:rPr lang="en-US" altLang="zh-TW" dirty="0"/>
+              <a:t> is a </a:t>
+            </a:r>
+            <a:r>
+              <a:rPr lang="en-US" altLang="zh-TW" dirty="0">
+                <a:hlinkClick r:id="rId4" tooltip="Two-dimensional space"/>
+              </a:rPr>
+              <a:t>two-dimensional</a:t>
+            </a:r>
+            <a:r>
+              <a:rPr lang="en-US" altLang="zh-TW" dirty="0"/>
+              <a:t> </a:t>
+            </a:r>
+            <a:r>
+              <a:rPr lang="en-US" altLang="zh-TW" dirty="0">
+                <a:hlinkClick r:id="rId5" tooltip="Bitmap"/>
+              </a:rPr>
+              <a:t>bitmap</a:t>
+            </a:r>
+            <a:r>
+              <a:rPr lang="en-US" altLang="zh-TW" dirty="0"/>
+              <a:t> that is integrated into a larger </a:t>
+            </a:r>
+            <a:r>
+              <a:rPr lang="en-US" altLang="zh-TW" dirty="0" smtClean="0"/>
+              <a:t>scene.</a:t>
+            </a:r>
+          </a:p>
+          <a:p>
+            <a:pPr marL="0" indent="0">
+              <a:buNone/>
+            </a:pPr>
+            <a:endParaRPr lang="en-US" altLang="zh-TW" dirty="0" smtClean="0"/>
+          </a:p>
+          <a:p>
+            <a:pPr marL="0" indent="0">
+              <a:buNone/>
+            </a:pPr>
+            <a:r>
+              <a:rPr lang="zh-TW" altLang="en-US" dirty="0" smtClean="0"/>
+              <a:t>簡單來說</a:t>
+            </a:r>
+            <a:r>
+              <a:rPr lang="en-US" altLang="zh-TW" dirty="0" smtClean="0"/>
+              <a:t>, </a:t>
+            </a:r>
+            <a:r>
+              <a:rPr lang="zh-TW" altLang="en-US" dirty="0" smtClean="0"/>
+              <a:t>就是很多圖片構築成的</a:t>
+            </a:r>
+            <a:r>
+              <a:rPr lang="en-US" altLang="zh-TW" dirty="0" smtClean="0"/>
+              <a:t>2D</a:t>
+            </a:r>
+            <a:r>
+              <a:rPr lang="zh-TW" altLang="en-US" dirty="0" smtClean="0"/>
+              <a:t>遊戲</a:t>
+            </a:r>
+            <a:r>
+              <a:rPr lang="en-US" altLang="zh-TW" dirty="0" smtClean="0"/>
+              <a:t>.</a:t>
+            </a:r>
+            <a:endParaRPr lang="zh-TW" altLang="en-US" dirty="0"/>
+          </a:p>
+        </p:txBody>
+      </p:sp>
+    </p:spTree>
+    <p:extLst>
+      <p:ext uri="{BB962C8B-B14F-4D97-AF65-F5344CB8AC3E}">
+        <p14:creationId xmlns:p14="http://schemas.microsoft.com/office/powerpoint/2010/main" val="3255094988"/>
+      </p:ext>
+    </p:extLst>
+  </p:cSld>
+  <p:clrMapOvr>
+    <a:masterClrMapping/>
+  </p:clrMapOvr>
+  <p:timing>
+    <p:tnLst>
+      <p:par>
+        <p:cTn id="1" dur="indefinite" restart="never" nodeType="tmRoot"/>
+      </p:par>
+    </p:tnLst>
+  </p:timing>
+</p:sld>
+</file>
+
+<file path=ppt/slides/slide12.xml><?xml version="1.0" encoding="utf-8"?>
+<p:sld xmlns:a="http://schemas.openxmlformats.org/drawingml/2006/main" xmlns:r="http://schemas.openxmlformats.org/officeDocument/2006/relationships" xmlns:p="http://schemas.openxmlformats.org/presentationml/2006/main">
+  <p:cSld>
+    <p:spTree>
+      <p:nvGrpSpPr>
+        <p:cNvPr id="1" name=""/>
+        <p:cNvGrpSpPr/>
+        <p:nvPr/>
+      </p:nvGrpSpPr>
+      <p:grpSpPr>
+        <a:xfrm>
+          <a:off x="0" y="0"/>
+          <a:ext cx="0" cy="0"/>
+          <a:chOff x="0" y="0"/>
+          <a:chExt cx="0" cy="0"/>
+        </a:xfrm>
+      </p:grpSpPr>
+      <p:sp>
+        <p:nvSpPr>
+          <p:cNvPr id="2" name="標題 1"/>
+          <p:cNvSpPr>
+            <a:spLocks noGrp="1"/>
+          </p:cNvSpPr>
+          <p:nvPr>
+            <p:ph type="title"/>
+          </p:nvPr>
+        </p:nvSpPr>
+        <p:spPr/>
+        <p:txBody>
+          <a:bodyPr/>
+          <a:lstStyle/>
+          <a:p>
+            <a:r>
+              <a:rPr lang="en-US" altLang="zh-TW" dirty="0" smtClean="0"/>
+              <a:t>Demo time!</a:t>
+            </a:r>
+            <a:endParaRPr lang="zh-TW" altLang="en-US" dirty="0"/>
+          </a:p>
+        </p:txBody>
+      </p:sp>
+    </p:spTree>
+    <p:extLst>
+      <p:ext uri="{BB962C8B-B14F-4D97-AF65-F5344CB8AC3E}">
+        <p14:creationId xmlns:p14="http://schemas.microsoft.com/office/powerpoint/2010/main" val="1512886050"/>
+      </p:ext>
+    </p:extLst>
+  </p:cSld>
+  <p:clrMapOvr>
+    <a:masterClrMapping/>
+  </p:clrMapOvr>
+</p:sld>
+</file>
+
+<file path=ppt/slides/slide13.xml><?xml version="1.0" encoding="utf-8"?>
+<p:sld xmlns:a="http://schemas.openxmlformats.org/drawingml/2006/main" xmlns:r="http://schemas.openxmlformats.org/officeDocument/2006/relationships" xmlns:p="http://schemas.openxmlformats.org/presentationml/2006/main">
+  <p:cSld>
+    <p:spTree>
+      <p:nvGrpSpPr>
+        <p:cNvPr id="1" name=""/>
+        <p:cNvGrpSpPr/>
+        <p:nvPr/>
+      </p:nvGrpSpPr>
+      <p:grpSpPr>
+        <a:xfrm>
+          <a:off x="0" y="0"/>
+          <a:ext cx="0" cy="0"/>
+          <a:chOff x="0" y="0"/>
+          <a:chExt cx="0" cy="0"/>
+        </a:xfrm>
+      </p:grpSpPr>
+      <p:sp>
+        <p:nvSpPr>
+          <p:cNvPr id="2" name="Title 1"/>
+          <p:cNvSpPr>
+            <a:spLocks noGrp="1"/>
+          </p:cNvSpPr>
+          <p:nvPr>
+            <p:ph type="title"/>
+          </p:nvPr>
+        </p:nvSpPr>
+        <p:spPr/>
+        <p:txBody>
+          <a:bodyPr/>
+          <a:lstStyle/>
+          <a:p>
+            <a:r>
+              <a:rPr lang="zh-TW" altLang="en-US" dirty="0" smtClean="0"/>
+              <a:t>遊戲架構</a:t>
+            </a:r>
+            <a:endParaRPr lang="zh-TW" altLang="en-US" dirty="0"/>
+          </a:p>
+        </p:txBody>
+      </p:sp>
+      <p:sp>
+        <p:nvSpPr>
+          <p:cNvPr id="3" name="Content Placeholder 2"/>
+          <p:cNvSpPr>
+            <a:spLocks noGrp="1"/>
+          </p:cNvSpPr>
+          <p:nvPr>
+            <p:ph idx="1"/>
+          </p:nvPr>
+        </p:nvSpPr>
+        <p:spPr/>
+        <p:txBody>
+          <a:bodyPr>
+            <a:normAutofit lnSpcReduction="10000"/>
+          </a:bodyPr>
+          <a:lstStyle/>
+          <a:p>
+            <a:pPr>
+              <a:lnSpc>
+                <a:spcPct val="150000"/>
+              </a:lnSpc>
+            </a:pPr>
+            <a:r>
+              <a:rPr lang="zh-TW" altLang="en-US" dirty="0" smtClean="0"/>
+              <a:t>四個 </a:t>
+            </a:r>
+            <a:r>
+              <a:rPr lang="en-US" altLang="zh-TW" dirty="0" smtClean="0"/>
+              <a:t>.</a:t>
+            </a:r>
+            <a:r>
+              <a:rPr lang="en-US" altLang="zh-TW" dirty="0" err="1" smtClean="0"/>
+              <a:t>py</a:t>
+            </a:r>
+            <a:r>
+              <a:rPr lang="zh-TW" altLang="en-US" dirty="0" smtClean="0"/>
+              <a:t> 檔 </a:t>
+            </a:r>
+            <a:r>
+              <a:rPr lang="en-US" altLang="zh-TW" dirty="0" smtClean="0"/>
+              <a:t>(python code)</a:t>
+            </a:r>
+          </a:p>
+          <a:p>
+            <a:pPr lvl="1">
+              <a:lnSpc>
+                <a:spcPct val="150000"/>
+              </a:lnSpc>
+            </a:pPr>
+            <a:r>
+              <a:rPr lang="en-US" altLang="zh-TW" dirty="0" smtClean="0"/>
+              <a:t>main.py</a:t>
+            </a:r>
+          </a:p>
+          <a:p>
+            <a:pPr lvl="1">
+              <a:lnSpc>
+                <a:spcPct val="150000"/>
+              </a:lnSpc>
+            </a:pPr>
+            <a:r>
+              <a:rPr lang="en-US" altLang="zh-TW" dirty="0" smtClean="0"/>
+              <a:t>sprites.py</a:t>
+            </a:r>
+          </a:p>
+          <a:p>
+            <a:pPr lvl="1">
+              <a:lnSpc>
+                <a:spcPct val="150000"/>
+              </a:lnSpc>
+            </a:pPr>
+            <a:r>
+              <a:rPr lang="en-US" altLang="zh-TW" dirty="0" smtClean="0"/>
+              <a:t>setting.py</a:t>
+            </a:r>
+          </a:p>
+          <a:p>
+            <a:pPr lvl="1">
+              <a:lnSpc>
+                <a:spcPct val="150000"/>
+              </a:lnSpc>
+            </a:pPr>
+            <a:r>
+              <a:rPr lang="en-US" altLang="zh-TW" dirty="0" smtClean="0"/>
+              <a:t>tilemap.py</a:t>
+            </a:r>
+          </a:p>
+          <a:p>
+            <a:pPr>
+              <a:lnSpc>
+                <a:spcPct val="150000"/>
+              </a:lnSpc>
+            </a:pPr>
+            <a:r>
+              <a:rPr lang="zh-TW" altLang="en-US" dirty="0" smtClean="0"/>
+              <a:t>一個</a:t>
+            </a:r>
+            <a:r>
+              <a:rPr lang="zh-TW" altLang="en-US" dirty="0"/>
+              <a:t> </a:t>
+            </a:r>
+            <a:r>
+              <a:rPr lang="en-US" altLang="zh-TW" dirty="0" smtClean="0"/>
+              <a:t>.</a:t>
+            </a:r>
+            <a:r>
+              <a:rPr lang="en-US" altLang="zh-TW" dirty="0" err="1" smtClean="0"/>
+              <a:t>tmx</a:t>
+            </a:r>
+            <a:r>
+              <a:rPr lang="en-US" altLang="zh-TW" dirty="0" smtClean="0"/>
+              <a:t> </a:t>
+            </a:r>
+            <a:r>
+              <a:rPr lang="zh-TW" altLang="en-US" dirty="0" smtClean="0"/>
+              <a:t>檔 </a:t>
+            </a:r>
+            <a:r>
+              <a:rPr lang="en-US" altLang="zh-TW" dirty="0" smtClean="0"/>
+              <a:t>(map)</a:t>
+            </a:r>
+          </a:p>
+          <a:p>
+            <a:pPr lvl="1">
+              <a:lnSpc>
+                <a:spcPct val="150000"/>
+              </a:lnSpc>
+            </a:pPr>
+            <a:r>
+              <a:rPr lang="en-US" altLang="zh-TW" dirty="0" err="1" smtClean="0"/>
+              <a:t>map.tmx</a:t>
+            </a:r>
+            <a:endParaRPr lang="zh-TW" altLang="en-US" dirty="0"/>
+          </a:p>
+        </p:txBody>
+      </p:sp>
+    </p:spTree>
+    <p:extLst>
+      <p:ext uri="{BB962C8B-B14F-4D97-AF65-F5344CB8AC3E}">
+        <p14:creationId xmlns:p14="http://schemas.microsoft.com/office/powerpoint/2010/main" val="2023797348"/>
+      </p:ext>
+    </p:extLst>
+  </p:cSld>
+  <p:clrMapOvr>
+    <a:masterClrMapping/>
+  </p:clrMapOvr>
+</p:sld>
+</file>
+
+<file path=ppt/slides/slide14.xml><?xml version="1.0" encoding="utf-8"?>
+<p:sld xmlns:a="http://schemas.openxmlformats.org/drawingml/2006/main" xmlns:r="http://schemas.openxmlformats.org/officeDocument/2006/relationships" xmlns:p="http://schemas.openxmlformats.org/presentationml/2006/main">
+  <p:cSld>
+    <p:spTree>
+      <p:nvGrpSpPr>
+        <p:cNvPr id="1" name=""/>
+        <p:cNvGrpSpPr/>
+        <p:nvPr/>
+      </p:nvGrpSpPr>
+      <p:grpSpPr>
+        <a:xfrm>
+          <a:off x="0" y="0"/>
+          <a:ext cx="0" cy="0"/>
+          <a:chOff x="0" y="0"/>
+          <a:chExt cx="0" cy="0"/>
+        </a:xfrm>
+      </p:grpSpPr>
+      <p:sp>
+        <p:nvSpPr>
+          <p:cNvPr id="2" name="Title 1"/>
+          <p:cNvSpPr>
+            <a:spLocks noGrp="1"/>
+          </p:cNvSpPr>
+          <p:nvPr>
+            <p:ph type="title"/>
+          </p:nvPr>
+        </p:nvSpPr>
+        <p:spPr/>
+        <p:txBody>
+          <a:bodyPr/>
+          <a:lstStyle/>
+          <a:p>
+            <a:r>
+              <a:rPr lang="zh-TW" altLang="en-US" dirty="0"/>
+              <a:t>遊戲架構</a:t>
+            </a:r>
+          </a:p>
+        </p:txBody>
+      </p:sp>
+      <p:sp>
+        <p:nvSpPr>
+          <p:cNvPr id="3" name="Content Placeholder 2"/>
+          <p:cNvSpPr>
+            <a:spLocks noGrp="1"/>
+          </p:cNvSpPr>
+          <p:nvPr>
+            <p:ph idx="1"/>
+          </p:nvPr>
+        </p:nvSpPr>
+        <p:spPr/>
+        <p:txBody>
+          <a:bodyPr/>
+          <a:lstStyle/>
+          <a:p>
+            <a:r>
+              <a:rPr lang="en-US" altLang="zh-TW" dirty="0" smtClean="0"/>
+              <a:t>main.py</a:t>
+            </a:r>
+          </a:p>
+          <a:p>
+            <a:pPr lvl="1"/>
+            <a:r>
+              <a:rPr lang="zh-TW" altLang="en-US" dirty="0"/>
+              <a:t>主程</a:t>
+            </a:r>
+            <a:r>
+              <a:rPr lang="zh-TW" altLang="en-US" dirty="0" smtClean="0"/>
+              <a:t>式 </a:t>
+            </a:r>
+            <a:r>
+              <a:rPr lang="en-US" altLang="zh-TW" dirty="0" smtClean="0"/>
+              <a:t>(main function)</a:t>
+            </a:r>
+          </a:p>
+          <a:p>
+            <a:pPr lvl="2"/>
+            <a:r>
+              <a:rPr lang="zh-TW" altLang="en-US" dirty="0" smtClean="0"/>
+              <a:t>控制</a:t>
+            </a:r>
+            <a:r>
+              <a:rPr lang="zh-TW" altLang="en-US" dirty="0"/>
+              <a:t>程</a:t>
+            </a:r>
+            <a:r>
+              <a:rPr lang="zh-TW" altLang="en-US" dirty="0" smtClean="0"/>
+              <a:t>式的</a:t>
+            </a:r>
+            <a:r>
+              <a:rPr lang="zh-TW" altLang="en-US" dirty="0"/>
+              <a:t>執</a:t>
+            </a:r>
+            <a:r>
+              <a:rPr lang="zh-TW" altLang="en-US" dirty="0" smtClean="0"/>
+              <a:t>行</a:t>
+            </a:r>
+            <a:endParaRPr lang="en-US" altLang="zh-TW" dirty="0" smtClean="0"/>
+          </a:p>
+          <a:p>
+            <a:pPr lvl="2"/>
+            <a:r>
+              <a:rPr lang="en-US" altLang="zh-TW" dirty="0"/>
+              <a:t>m</a:t>
+            </a:r>
+            <a:r>
+              <a:rPr lang="en-US" altLang="zh-TW" dirty="0" smtClean="0"/>
+              <a:t>ain function</a:t>
+            </a:r>
+            <a:r>
+              <a:rPr lang="zh-TW" altLang="en-US" dirty="0" smtClean="0"/>
+              <a:t>是程式執行的起點</a:t>
+            </a:r>
+            <a:endParaRPr lang="en-US" altLang="zh-TW" dirty="0" smtClean="0"/>
+          </a:p>
+          <a:p>
+            <a:pPr lvl="1"/>
+            <a:r>
+              <a:rPr lang="en-US" altLang="zh-TW" dirty="0"/>
+              <a:t>c</a:t>
+            </a:r>
+            <a:r>
+              <a:rPr lang="en-US" altLang="zh-TW" dirty="0" smtClean="0"/>
+              <a:t>lass Game</a:t>
+            </a:r>
+          </a:p>
+          <a:p>
+            <a:pPr lvl="2"/>
+            <a:r>
+              <a:rPr lang="zh-TW" altLang="en-US" dirty="0"/>
+              <a:t>遊</a:t>
+            </a:r>
+            <a:r>
+              <a:rPr lang="zh-TW" altLang="en-US" dirty="0" smtClean="0"/>
+              <a:t>戲的主體</a:t>
+            </a:r>
+            <a:endParaRPr lang="en-US" altLang="zh-TW" dirty="0" smtClean="0"/>
+          </a:p>
+          <a:p>
+            <a:pPr lvl="2"/>
+            <a:r>
+              <a:rPr lang="zh-TW" altLang="en-US" dirty="0" smtClean="0"/>
+              <a:t>載入圖片、地圖</a:t>
+            </a:r>
+            <a:endParaRPr lang="en-US" altLang="zh-TW" dirty="0" smtClean="0"/>
+          </a:p>
+          <a:p>
+            <a:pPr lvl="2"/>
+            <a:r>
+              <a:rPr lang="zh-TW" altLang="en-US" dirty="0" smtClean="0"/>
+              <a:t>遊戲</a:t>
+            </a:r>
+            <a:r>
+              <a:rPr lang="zh-TW" altLang="en-US" dirty="0"/>
+              <a:t>初</a:t>
+            </a:r>
+            <a:r>
+              <a:rPr lang="zh-TW" altLang="en-US" dirty="0" smtClean="0"/>
+              <a:t>始化</a:t>
+            </a:r>
+            <a:endParaRPr lang="en-US" altLang="zh-TW" dirty="0" smtClean="0"/>
+          </a:p>
+          <a:p>
+            <a:pPr lvl="2"/>
+            <a:r>
+              <a:rPr lang="zh-TW" altLang="en-US" dirty="0"/>
+              <a:t>遊</a:t>
+            </a:r>
+            <a:r>
+              <a:rPr lang="zh-TW" altLang="en-US" dirty="0" smtClean="0"/>
+              <a:t>戲的運作迴圈</a:t>
+            </a:r>
+            <a:endParaRPr lang="en-US" altLang="zh-TW" dirty="0" smtClean="0"/>
+          </a:p>
+          <a:p>
+            <a:pPr lvl="2"/>
+            <a:r>
+              <a:rPr lang="zh-TW" altLang="en-US" dirty="0" smtClean="0"/>
+              <a:t>遊戲結束</a:t>
+            </a:r>
+            <a:endParaRPr lang="zh-TW" altLang="en-US" dirty="0"/>
+          </a:p>
+        </p:txBody>
+      </p:sp>
+    </p:spTree>
+    <p:extLst>
+      <p:ext uri="{BB962C8B-B14F-4D97-AF65-F5344CB8AC3E}">
+        <p14:creationId xmlns:p14="http://schemas.microsoft.com/office/powerpoint/2010/main" val="4077224950"/>
+      </p:ext>
+    </p:extLst>
+  </p:cSld>
+  <p:clrMapOvr>
+    <a:masterClrMapping/>
+  </p:clrMapOvr>
+</p:sld>
+</file>
+
+<file path=ppt/slides/slide15.xml><?xml version="1.0" encoding="utf-8"?>
+<p:sld xmlns:a="http://schemas.openxmlformats.org/drawingml/2006/main" xmlns:r="http://schemas.openxmlformats.org/officeDocument/2006/relationships" xmlns:p="http://schemas.openxmlformats.org/presentationml/2006/main">
+  <p:cSld>
+    <p:spTree>
+      <p:nvGrpSpPr>
+        <p:cNvPr id="1" name=""/>
+        <p:cNvGrpSpPr/>
+        <p:nvPr/>
+      </p:nvGrpSpPr>
+      <p:grpSpPr>
+        <a:xfrm>
+          <a:off x="0" y="0"/>
+          <a:ext cx="0" cy="0"/>
+          <a:chOff x="0" y="0"/>
+          <a:chExt cx="0" cy="0"/>
+        </a:xfrm>
+      </p:grpSpPr>
+      <p:sp>
+        <p:nvSpPr>
+          <p:cNvPr id="2" name="Title 1"/>
+          <p:cNvSpPr>
+            <a:spLocks noGrp="1"/>
+          </p:cNvSpPr>
+          <p:nvPr>
+            <p:ph type="title"/>
+          </p:nvPr>
+        </p:nvSpPr>
+        <p:spPr/>
+        <p:txBody>
+          <a:bodyPr/>
+          <a:lstStyle/>
+          <a:p>
+            <a:r>
+              <a:rPr lang="zh-TW" altLang="en-US" dirty="0"/>
+              <a:t>遊戲架構</a:t>
+            </a:r>
+          </a:p>
+        </p:txBody>
+      </p:sp>
+      <p:sp>
+        <p:nvSpPr>
+          <p:cNvPr id="3" name="Content Placeholder 2"/>
+          <p:cNvSpPr>
+            <a:spLocks noGrp="1"/>
+          </p:cNvSpPr>
+          <p:nvPr>
+            <p:ph idx="1"/>
+          </p:nvPr>
+        </p:nvSpPr>
+        <p:spPr/>
+        <p:txBody>
+          <a:bodyPr/>
+          <a:lstStyle/>
+          <a:p>
+            <a:r>
+              <a:rPr lang="en-US" altLang="zh-TW" dirty="0" smtClean="0"/>
+              <a:t>sprites.py</a:t>
+            </a:r>
+          </a:p>
+          <a:p>
+            <a:pPr lvl="1"/>
+            <a:r>
+              <a:rPr lang="zh-TW" altLang="en-US" dirty="0" smtClean="0"/>
+              <a:t>處理各種</a:t>
+            </a:r>
+            <a:r>
+              <a:rPr lang="zh-TW" altLang="en-US" dirty="0"/>
+              <a:t>物</a:t>
+            </a:r>
+            <a:r>
+              <a:rPr lang="zh-TW" altLang="en-US" dirty="0" smtClean="0"/>
+              <a:t>件</a:t>
+            </a:r>
+            <a:endParaRPr lang="en-US" altLang="zh-TW" dirty="0" smtClean="0"/>
+          </a:p>
+          <a:p>
+            <a:pPr lvl="2"/>
+            <a:r>
+              <a:rPr lang="en-US" altLang="zh-TW" dirty="0"/>
+              <a:t>c</a:t>
+            </a:r>
+            <a:r>
+              <a:rPr lang="en-US" altLang="zh-TW" dirty="0" smtClean="0"/>
+              <a:t>lass Player</a:t>
+            </a:r>
+          </a:p>
+          <a:p>
+            <a:pPr lvl="2"/>
+            <a:r>
+              <a:rPr lang="en-US" altLang="zh-TW" dirty="0"/>
+              <a:t>c</a:t>
+            </a:r>
+            <a:r>
+              <a:rPr lang="en-US" altLang="zh-TW" dirty="0" smtClean="0"/>
+              <a:t>lass Zombie</a:t>
+            </a:r>
+          </a:p>
+          <a:p>
+            <a:pPr lvl="2"/>
+            <a:r>
+              <a:rPr lang="en-US" altLang="zh-TW" dirty="0"/>
+              <a:t>c</a:t>
+            </a:r>
+            <a:r>
+              <a:rPr lang="en-US" altLang="zh-TW" dirty="0" smtClean="0"/>
+              <a:t>lass Bullet</a:t>
+            </a:r>
+          </a:p>
+          <a:p>
+            <a:pPr lvl="2"/>
+            <a:r>
+              <a:rPr lang="en-US" altLang="zh-TW" dirty="0"/>
+              <a:t>c</a:t>
+            </a:r>
+            <a:r>
+              <a:rPr lang="en-US" altLang="zh-TW" dirty="0" smtClean="0"/>
+              <a:t>lass Treasure</a:t>
+            </a:r>
+          </a:p>
+          <a:p>
+            <a:pPr lvl="2"/>
+            <a:r>
+              <a:rPr lang="en-US" altLang="zh-TW" dirty="0"/>
+              <a:t>c</a:t>
+            </a:r>
+            <a:r>
+              <a:rPr lang="en-US" altLang="zh-TW" dirty="0" smtClean="0"/>
+              <a:t>lass Wall</a:t>
+            </a:r>
+          </a:p>
+          <a:p>
+            <a:pPr lvl="1"/>
+            <a:r>
+              <a:rPr lang="zh-TW" altLang="en-US" dirty="0" smtClean="0"/>
+              <a:t>物件之間的</a:t>
+            </a:r>
+            <a:r>
+              <a:rPr lang="zh-TW" altLang="en-US" dirty="0"/>
+              <a:t>關</a:t>
+            </a:r>
+            <a:r>
+              <a:rPr lang="zh-TW" altLang="en-US" dirty="0" smtClean="0"/>
+              <a:t>係</a:t>
+            </a:r>
+            <a:endParaRPr lang="en-US" altLang="zh-TW" dirty="0" smtClean="0"/>
+          </a:p>
+          <a:p>
+            <a:pPr lvl="2"/>
+            <a:r>
+              <a:rPr lang="zh-TW" altLang="en-US" dirty="0" smtClean="0"/>
+              <a:t>碰撞 </a:t>
+            </a:r>
+            <a:r>
+              <a:rPr lang="en-US" altLang="zh-TW" dirty="0" smtClean="0"/>
+              <a:t>Collide</a:t>
+            </a:r>
+            <a:endParaRPr lang="zh-TW" altLang="en-US" dirty="0"/>
+          </a:p>
+        </p:txBody>
+      </p:sp>
+    </p:spTree>
+    <p:extLst>
+      <p:ext uri="{BB962C8B-B14F-4D97-AF65-F5344CB8AC3E}">
+        <p14:creationId xmlns:p14="http://schemas.microsoft.com/office/powerpoint/2010/main" val="2268752797"/>
+      </p:ext>
+    </p:extLst>
+  </p:cSld>
+  <p:clrMapOvr>
+    <a:masterClrMapping/>
+  </p:clrMapOvr>
+</p:sld>
+</file>
+
+<file path=ppt/slides/slide16.xml><?xml version="1.0" encoding="utf-8"?>
+<p:sld xmlns:a="http://schemas.openxmlformats.org/drawingml/2006/main" xmlns:r="http://schemas.openxmlformats.org/officeDocument/2006/relationships" xmlns:p="http://schemas.openxmlformats.org/presentationml/2006/main">
+  <p:cSld>
+    <p:spTree>
+      <p:nvGrpSpPr>
+        <p:cNvPr id="1" name=""/>
+        <p:cNvGrpSpPr/>
+        <p:nvPr/>
+      </p:nvGrpSpPr>
+      <p:grpSpPr>
+        <a:xfrm>
+          <a:off x="0" y="0"/>
+          <a:ext cx="0" cy="0"/>
+          <a:chOff x="0" y="0"/>
+          <a:chExt cx="0" cy="0"/>
+        </a:xfrm>
+      </p:grpSpPr>
+      <p:sp>
+        <p:nvSpPr>
+          <p:cNvPr id="2" name="Title 1"/>
+          <p:cNvSpPr>
+            <a:spLocks noGrp="1"/>
+          </p:cNvSpPr>
+          <p:nvPr>
+            <p:ph type="title"/>
+          </p:nvPr>
+        </p:nvSpPr>
+        <p:spPr/>
+        <p:txBody>
+          <a:bodyPr/>
+          <a:lstStyle/>
+          <a:p>
+            <a:r>
+              <a:rPr lang="zh-TW" altLang="en-US" dirty="0"/>
+              <a:t>遊戲架構</a:t>
+            </a:r>
+          </a:p>
+        </p:txBody>
+      </p:sp>
+      <p:sp>
+        <p:nvSpPr>
+          <p:cNvPr id="3" name="Content Placeholder 2"/>
+          <p:cNvSpPr>
+            <a:spLocks noGrp="1"/>
+          </p:cNvSpPr>
+          <p:nvPr>
+            <p:ph idx="1"/>
+          </p:nvPr>
+        </p:nvSpPr>
+        <p:spPr/>
+        <p:txBody>
+          <a:bodyPr/>
+          <a:lstStyle/>
+          <a:p>
+            <a:r>
+              <a:rPr lang="en-US" altLang="zh-TW" dirty="0" smtClean="0"/>
+              <a:t>tilemap.py</a:t>
+            </a:r>
+          </a:p>
+          <a:p>
+            <a:pPr lvl="1"/>
+            <a:r>
+              <a:rPr lang="en-US" altLang="zh-TW" dirty="0"/>
+              <a:t>c</a:t>
+            </a:r>
+            <a:r>
+              <a:rPr lang="en-US" altLang="zh-TW" dirty="0" smtClean="0"/>
+              <a:t>lass </a:t>
+            </a:r>
+            <a:r>
+              <a:rPr lang="en-US" altLang="zh-TW" dirty="0" err="1" smtClean="0"/>
+              <a:t>TileMap</a:t>
+            </a:r>
+            <a:endParaRPr lang="en-US" altLang="zh-TW" dirty="0" smtClean="0"/>
+          </a:p>
+          <a:p>
+            <a:pPr lvl="2"/>
+            <a:r>
+              <a:rPr lang="zh-TW" altLang="en-US" dirty="0" smtClean="0"/>
+              <a:t>地圖載入</a:t>
+            </a:r>
+            <a:endParaRPr lang="en-US" altLang="zh-TW" dirty="0" smtClean="0"/>
+          </a:p>
+          <a:p>
+            <a:pPr lvl="1"/>
+            <a:r>
+              <a:rPr lang="en-US" altLang="zh-TW" dirty="0"/>
+              <a:t>c</a:t>
+            </a:r>
+            <a:r>
+              <a:rPr lang="en-US" altLang="zh-TW" dirty="0" smtClean="0"/>
+              <a:t>lass Camera</a:t>
+            </a:r>
+          </a:p>
+          <a:p>
+            <a:pPr lvl="2"/>
+            <a:r>
+              <a:rPr lang="zh-TW" altLang="en-US" dirty="0"/>
+              <a:t>遊</a:t>
+            </a:r>
+            <a:r>
+              <a:rPr lang="zh-TW" altLang="en-US" dirty="0" smtClean="0"/>
+              <a:t>戲的</a:t>
+            </a:r>
+            <a:r>
+              <a:rPr lang="zh-TW" altLang="en-US" dirty="0"/>
+              <a:t>鏡</a:t>
+            </a:r>
+            <a:r>
+              <a:rPr lang="zh-TW" altLang="en-US" dirty="0" smtClean="0"/>
+              <a:t>頭</a:t>
+            </a:r>
+            <a:endParaRPr lang="en-US" altLang="zh-TW" dirty="0" smtClean="0"/>
+          </a:p>
+          <a:p>
+            <a:pPr lvl="2"/>
+            <a:r>
+              <a:rPr lang="zh-TW" altLang="en-US" dirty="0" smtClean="0"/>
+              <a:t>物體、</a:t>
+            </a:r>
+            <a:r>
+              <a:rPr lang="zh-TW" altLang="en-US" dirty="0"/>
+              <a:t>地</a:t>
+            </a:r>
+            <a:r>
+              <a:rPr lang="zh-TW" altLang="en-US" dirty="0" smtClean="0"/>
+              <a:t>圖</a:t>
+            </a:r>
+            <a:r>
+              <a:rPr lang="zh-TW" altLang="en-US" dirty="0"/>
+              <a:t>在</a:t>
+            </a:r>
+            <a:r>
+              <a:rPr lang="zh-TW" altLang="en-US" dirty="0" smtClean="0"/>
+              <a:t>畫面中的</a:t>
+            </a:r>
+            <a:r>
+              <a:rPr lang="zh-TW" altLang="en-US" dirty="0"/>
+              <a:t>移</a:t>
+            </a:r>
+            <a:r>
+              <a:rPr lang="zh-TW" altLang="en-US" dirty="0" smtClean="0"/>
+              <a:t>動</a:t>
+            </a:r>
+            <a:endParaRPr lang="en-US" altLang="zh-TW" dirty="0" smtClean="0"/>
+          </a:p>
+          <a:p>
+            <a:r>
+              <a:rPr lang="en-US" altLang="zh-TW" dirty="0" smtClean="0"/>
+              <a:t>settings.py</a:t>
+            </a:r>
+          </a:p>
+          <a:p>
+            <a:pPr lvl="1"/>
+            <a:r>
+              <a:rPr lang="zh-TW" altLang="en-US" dirty="0"/>
+              <a:t>參</a:t>
+            </a:r>
+            <a:r>
+              <a:rPr lang="zh-TW" altLang="en-US" dirty="0" smtClean="0"/>
+              <a:t>數設定</a:t>
+            </a:r>
+            <a:endParaRPr lang="en-US" altLang="zh-TW" dirty="0" smtClean="0"/>
+          </a:p>
+          <a:p>
+            <a:r>
+              <a:rPr lang="en-US" altLang="zh-TW" dirty="0" smtClean="0"/>
+              <a:t> </a:t>
+            </a:r>
+            <a:r>
+              <a:rPr lang="en-US" altLang="zh-TW" dirty="0" err="1" smtClean="0"/>
+              <a:t>map.tmx</a:t>
+            </a:r>
+            <a:endParaRPr lang="en-US" altLang="zh-TW" dirty="0" smtClean="0"/>
+          </a:p>
+          <a:p>
+            <a:pPr lvl="1"/>
+            <a:r>
+              <a:rPr lang="zh-TW" altLang="en-US" dirty="0"/>
+              <a:t>遊戲的地圖</a:t>
+            </a:r>
+            <a:endParaRPr lang="en-US" altLang="zh-TW" dirty="0" smtClean="0"/>
+          </a:p>
+        </p:txBody>
+      </p:sp>
+    </p:spTree>
+    <p:extLst>
+      <p:ext uri="{BB962C8B-B14F-4D97-AF65-F5344CB8AC3E}">
+        <p14:creationId xmlns:p14="http://schemas.microsoft.com/office/powerpoint/2010/main" val="3611276441"/>
+      </p:ext>
+    </p:extLst>
+  </p:cSld>
+  <p:clrMapOvr>
+    <a:masterClrMapping/>
+  </p:clrMapOvr>
+</p:sld>
+</file>
+
+<file path=ppt/slides/slide17.xml><?xml version="1.0" encoding="utf-8"?>
+<p:sld xmlns:a="http://schemas.openxmlformats.org/drawingml/2006/main" xmlns:r="http://schemas.openxmlformats.org/officeDocument/2006/relationships" xmlns:p="http://schemas.openxmlformats.org/presentationml/2006/main">
+  <p:cSld>
+    <p:spTree>
+      <p:nvGrpSpPr>
+        <p:cNvPr id="1" name=""/>
+        <p:cNvGrpSpPr/>
+        <p:nvPr/>
+      </p:nvGrpSpPr>
+      <p:grpSpPr>
+        <a:xfrm>
+          <a:off x="0" y="0"/>
+          <a:ext cx="0" cy="0"/>
+          <a:chOff x="0" y="0"/>
+          <a:chExt cx="0" cy="0"/>
+        </a:xfrm>
+      </p:grpSpPr>
+      <p:sp>
+        <p:nvSpPr>
+          <p:cNvPr id="2" name="Title 1"/>
+          <p:cNvSpPr>
+            <a:spLocks noGrp="1"/>
+          </p:cNvSpPr>
+          <p:nvPr>
+            <p:ph type="title"/>
+          </p:nvPr>
+        </p:nvSpPr>
+        <p:spPr/>
+        <p:txBody>
+          <a:bodyPr/>
+          <a:lstStyle/>
+          <a:p>
+            <a:r>
+              <a:rPr lang="zh-TW" altLang="en-US" dirty="0"/>
+              <a:t>遊戲架構</a:t>
+            </a:r>
+          </a:p>
+        </p:txBody>
+      </p:sp>
+      <p:sp>
+        <p:nvSpPr>
+          <p:cNvPr id="3" name="Content Placeholder 2"/>
+          <p:cNvSpPr>
+            <a:spLocks noGrp="1"/>
+          </p:cNvSpPr>
+          <p:nvPr>
+            <p:ph idx="1"/>
+          </p:nvPr>
+        </p:nvSpPr>
+        <p:spPr/>
+        <p:txBody>
+          <a:bodyPr>
+            <a:normAutofit lnSpcReduction="10000"/>
+          </a:bodyPr>
+          <a:lstStyle/>
+          <a:p>
+            <a:pPr>
+              <a:lnSpc>
+                <a:spcPct val="150000"/>
+              </a:lnSpc>
+            </a:pPr>
+            <a:r>
+              <a:rPr lang="zh-TW" altLang="en-US" dirty="0" smtClean="0"/>
+              <a:t>遊戲執行的迴圈</a:t>
+            </a:r>
+            <a:endParaRPr lang="en-US" altLang="zh-TW" dirty="0" smtClean="0"/>
+          </a:p>
+          <a:p>
+            <a:pPr lvl="1">
+              <a:lnSpc>
+                <a:spcPct val="150000"/>
+              </a:lnSpc>
+            </a:pPr>
+            <a:r>
+              <a:rPr lang="en-US" altLang="zh-TW" dirty="0"/>
+              <a:t>c</a:t>
+            </a:r>
+            <a:r>
+              <a:rPr lang="en-US" altLang="zh-TW" dirty="0" smtClean="0"/>
+              <a:t>lass Game </a:t>
+            </a:r>
+            <a:r>
+              <a:rPr lang="zh-TW" altLang="en-US" dirty="0" smtClean="0"/>
+              <a:t>中 的 </a:t>
+            </a:r>
+            <a:r>
+              <a:rPr lang="en-US" altLang="zh-TW" dirty="0" smtClean="0"/>
+              <a:t>run()</a:t>
+            </a:r>
+          </a:p>
+          <a:p>
+            <a:pPr lvl="2">
+              <a:lnSpc>
+                <a:spcPct val="150000"/>
+              </a:lnSpc>
+            </a:pPr>
+            <a:r>
+              <a:rPr lang="en-US" altLang="zh-TW" dirty="0" err="1"/>
+              <a:t>self.events</a:t>
+            </a:r>
+            <a:r>
+              <a:rPr lang="en-US" altLang="zh-TW" dirty="0" smtClean="0"/>
+              <a:t>()</a:t>
+            </a:r>
+            <a:endParaRPr lang="en-US" altLang="zh-TW" dirty="0"/>
+          </a:p>
+          <a:p>
+            <a:pPr lvl="2">
+              <a:lnSpc>
+                <a:spcPct val="150000"/>
+              </a:lnSpc>
+            </a:pPr>
+            <a:r>
+              <a:rPr lang="en-US" altLang="zh-TW" dirty="0" err="1" smtClean="0"/>
+              <a:t>self.update</a:t>
+            </a:r>
+            <a:r>
+              <a:rPr lang="en-US" altLang="zh-TW" dirty="0" smtClean="0"/>
+              <a:t>()</a:t>
+            </a:r>
+            <a:r>
+              <a:rPr lang="zh-TW" altLang="en-US" dirty="0" smtClean="0"/>
+              <a:t> </a:t>
+            </a:r>
+            <a:r>
+              <a:rPr lang="en-US" altLang="zh-TW" dirty="0" smtClean="0"/>
+              <a:t>#</a:t>
+            </a:r>
+            <a:r>
+              <a:rPr lang="zh-TW" altLang="en-US" dirty="0" smtClean="0"/>
+              <a:t>呼叫</a:t>
+            </a:r>
+            <a:r>
+              <a:rPr lang="zh-TW" altLang="en-US" dirty="0"/>
+              <a:t>所</a:t>
+            </a:r>
+            <a:r>
+              <a:rPr lang="zh-TW" altLang="en-US" dirty="0" smtClean="0"/>
+              <a:t>有物件更新狀</a:t>
+            </a:r>
+            <a:r>
+              <a:rPr lang="zh-TW" altLang="en-US" dirty="0"/>
+              <a:t>態</a:t>
+            </a:r>
+            <a:endParaRPr lang="en-US" altLang="zh-TW" dirty="0" smtClean="0"/>
+          </a:p>
+          <a:p>
+            <a:pPr lvl="2">
+              <a:lnSpc>
+                <a:spcPct val="150000"/>
+              </a:lnSpc>
+            </a:pPr>
+            <a:r>
+              <a:rPr lang="en-US" altLang="zh-TW" dirty="0" err="1" smtClean="0"/>
+              <a:t>self.draw</a:t>
+            </a:r>
+            <a:r>
+              <a:rPr lang="en-US" altLang="zh-TW" dirty="0" smtClean="0"/>
+              <a:t>(</a:t>
+            </a:r>
+            <a:r>
+              <a:rPr lang="en-US" altLang="zh-TW" dirty="0" err="1" smtClean="0"/>
+              <a:t>time_left</a:t>
+            </a:r>
+            <a:r>
+              <a:rPr lang="en-US" altLang="zh-TW" dirty="0" smtClean="0"/>
+              <a:t>)</a:t>
+            </a:r>
+          </a:p>
+          <a:p>
+            <a:pPr>
+              <a:lnSpc>
+                <a:spcPct val="150000"/>
+              </a:lnSpc>
+            </a:pPr>
+            <a:r>
+              <a:rPr lang="zh-TW" altLang="en-US" dirty="0" smtClean="0"/>
+              <a:t>於是，遊戲就可以成功的運行啦</a:t>
+            </a:r>
+            <a:endParaRPr lang="en-US" altLang="zh-TW" dirty="0" smtClean="0"/>
+          </a:p>
+          <a:p>
+            <a:pPr>
+              <a:lnSpc>
+                <a:spcPct val="150000"/>
+              </a:lnSpc>
+            </a:pPr>
+            <a:r>
+              <a:rPr lang="zh-TW" altLang="en-US" dirty="0" smtClean="0"/>
+              <a:t>在此之前，來動動手吧</a:t>
+            </a:r>
+            <a:r>
+              <a:rPr lang="en-US" altLang="zh-TW" dirty="0" smtClean="0"/>
+              <a:t>!</a:t>
+            </a:r>
+          </a:p>
+          <a:p>
+            <a:pPr lvl="1">
+              <a:lnSpc>
+                <a:spcPct val="150000"/>
+              </a:lnSpc>
+            </a:pPr>
+            <a:endParaRPr lang="en-US" altLang="zh-TW" dirty="0"/>
+          </a:p>
+          <a:p>
+            <a:pPr lvl="1">
+              <a:lnSpc>
+                <a:spcPct val="150000"/>
+              </a:lnSpc>
+            </a:pPr>
+            <a:endParaRPr lang="en-US" altLang="zh-TW" dirty="0" smtClean="0"/>
+          </a:p>
+          <a:p>
+            <a:pPr lvl="1">
+              <a:lnSpc>
+                <a:spcPct val="150000"/>
+              </a:lnSpc>
+            </a:pPr>
+            <a:endParaRPr lang="en-US" altLang="zh-TW" dirty="0" smtClean="0"/>
+          </a:p>
+          <a:p>
+            <a:pPr lvl="1">
+              <a:lnSpc>
+                <a:spcPct val="150000"/>
+              </a:lnSpc>
+            </a:pPr>
+            <a:endParaRPr lang="zh-TW" altLang="en-US" dirty="0"/>
+          </a:p>
+        </p:txBody>
+      </p:sp>
+    </p:spTree>
+    <p:extLst>
+      <p:ext uri="{BB962C8B-B14F-4D97-AF65-F5344CB8AC3E}">
+        <p14:creationId xmlns:p14="http://schemas.microsoft.com/office/powerpoint/2010/main" val="262796271"/>
+      </p:ext>
+    </p:extLst>
+  </p:cSld>
+  <p:clrMapOvr>
+    <a:masterClrMapping/>
+  </p:clrMapOvr>
+</p:sld>
+</file>
+
+<file path=ppt/slides/slide18.xml><?xml version="1.0" encoding="utf-8"?>
+<p:sld xmlns:a="http://schemas.openxmlformats.org/drawingml/2006/main" xmlns:r="http://schemas.openxmlformats.org/officeDocument/2006/relationships" xmlns:p="http://schemas.openxmlformats.org/presentationml/2006/main">
+  <p:cSld>
+    <p:spTree>
+      <p:nvGrpSpPr>
+        <p:cNvPr id="1" name=""/>
+        <p:cNvGrpSpPr/>
+        <p:nvPr/>
+      </p:nvGrpSpPr>
+      <p:grpSpPr>
+        <a:xfrm>
+          <a:off x="0" y="0"/>
+          <a:ext cx="0" cy="0"/>
+          <a:chOff x="0" y="0"/>
+          <a:chExt cx="0" cy="0"/>
+        </a:xfrm>
+      </p:grpSpPr>
+      <p:sp>
+        <p:nvSpPr>
+          <p:cNvPr id="2" name="Title 1"/>
+          <p:cNvSpPr>
+            <a:spLocks noGrp="1"/>
+          </p:cNvSpPr>
+          <p:nvPr>
+            <p:ph type="title"/>
+          </p:nvPr>
+        </p:nvSpPr>
+        <p:spPr/>
+        <p:txBody>
+          <a:bodyPr/>
+          <a:lstStyle/>
+          <a:p>
+            <a:r>
+              <a:rPr lang="zh-TW" altLang="en-US" dirty="0" smtClean="0"/>
+              <a:t>更新玩家的狀態</a:t>
+            </a:r>
+            <a:endParaRPr lang="zh-TW" altLang="en-US" dirty="0"/>
+          </a:p>
+        </p:txBody>
+      </p:sp>
+      <p:sp>
+        <p:nvSpPr>
+          <p:cNvPr id="3" name="Content Placeholder 2"/>
+          <p:cNvSpPr>
+            <a:spLocks noGrp="1"/>
+          </p:cNvSpPr>
+          <p:nvPr>
+            <p:ph idx="1"/>
+          </p:nvPr>
+        </p:nvSpPr>
+        <p:spPr/>
+        <p:txBody>
+          <a:bodyPr/>
+          <a:lstStyle/>
+          <a:p>
+            <a:r>
+              <a:rPr lang="zh-TW" altLang="en-US" dirty="0" smtClean="0"/>
+              <a:t>在 </a:t>
+            </a:r>
+            <a:r>
+              <a:rPr lang="en-US" altLang="zh-TW" dirty="0" smtClean="0"/>
+              <a:t>sprites.py </a:t>
+            </a:r>
+            <a:r>
+              <a:rPr lang="zh-TW" altLang="en-US" dirty="0" smtClean="0"/>
+              <a:t>中 </a:t>
+            </a:r>
+            <a:r>
+              <a:rPr lang="en-US" altLang="zh-TW" dirty="0" smtClean="0"/>
+              <a:t>class Player</a:t>
+            </a:r>
+            <a:r>
+              <a:rPr lang="zh-TW" altLang="en-US" dirty="0" smtClean="0"/>
+              <a:t> 底下的 </a:t>
+            </a:r>
+            <a:r>
+              <a:rPr lang="en-US" altLang="zh-TW" dirty="0" smtClean="0"/>
+              <a:t>update</a:t>
+            </a:r>
+          </a:p>
+          <a:p>
+            <a:r>
+              <a:rPr lang="zh-TW" altLang="en-US" dirty="0"/>
+              <a:t>做</a:t>
+            </a:r>
+            <a:r>
+              <a:rPr lang="zh-TW" altLang="en-US" dirty="0" smtClean="0"/>
+              <a:t>了</a:t>
+            </a:r>
+            <a:r>
+              <a:rPr lang="zh-TW" altLang="en-US" dirty="0"/>
+              <a:t>那</a:t>
+            </a:r>
+            <a:r>
+              <a:rPr lang="zh-TW" altLang="en-US" dirty="0" smtClean="0"/>
+              <a:t>些</a:t>
+            </a:r>
+            <a:r>
+              <a:rPr lang="zh-TW" altLang="en-US" dirty="0"/>
+              <a:t>判</a:t>
+            </a:r>
+            <a:r>
+              <a:rPr lang="zh-TW" altLang="en-US" dirty="0" smtClean="0"/>
+              <a:t>斷</a:t>
+            </a:r>
+            <a:r>
+              <a:rPr lang="en-US" altLang="zh-TW" dirty="0" smtClean="0"/>
+              <a:t>?</a:t>
+            </a:r>
+          </a:p>
+          <a:p>
+            <a:r>
+              <a:rPr lang="zh-TW" altLang="en-US" dirty="0" smtClean="0"/>
+              <a:t>玩家的資訊</a:t>
+            </a:r>
+            <a:r>
+              <a:rPr lang="en-US" altLang="zh-TW" dirty="0" smtClean="0"/>
+              <a:t>:</a:t>
+            </a:r>
+          </a:p>
+          <a:p>
+            <a:pPr lvl="1"/>
+            <a:r>
+              <a:rPr lang="zh-TW" altLang="en-US" dirty="0" smtClean="0"/>
+              <a:t>面向的</a:t>
+            </a:r>
+            <a:r>
+              <a:rPr lang="zh-TW" altLang="en-US" dirty="0"/>
+              <a:t>角</a:t>
+            </a:r>
+            <a:r>
+              <a:rPr lang="zh-TW" altLang="en-US" dirty="0" smtClean="0"/>
+              <a:t>度</a:t>
+            </a:r>
+            <a:endParaRPr lang="en-US" altLang="zh-TW" dirty="0" smtClean="0"/>
+          </a:p>
+          <a:p>
+            <a:pPr lvl="1"/>
+            <a:r>
+              <a:rPr lang="zh-TW" altLang="en-US" dirty="0"/>
+              <a:t>移</a:t>
+            </a:r>
+            <a:r>
+              <a:rPr lang="zh-TW" altLang="en-US" dirty="0" smtClean="0"/>
+              <a:t>動</a:t>
+            </a:r>
+            <a:endParaRPr lang="en-US" altLang="zh-TW" dirty="0" smtClean="0"/>
+          </a:p>
+          <a:p>
+            <a:pPr lvl="1"/>
+            <a:r>
+              <a:rPr lang="zh-TW" altLang="en-US" dirty="0"/>
+              <a:t>血量</a:t>
+            </a:r>
+            <a:endParaRPr lang="en-US" altLang="zh-TW" dirty="0" smtClean="0"/>
+          </a:p>
+          <a:p>
+            <a:pPr lvl="1"/>
+            <a:r>
+              <a:rPr lang="zh-TW" altLang="en-US" dirty="0" smtClean="0"/>
+              <a:t>跟</a:t>
+            </a:r>
+            <a:r>
+              <a:rPr lang="zh-TW" altLang="en-US" dirty="0"/>
+              <a:t>其</a:t>
+            </a:r>
+            <a:r>
+              <a:rPr lang="zh-TW" altLang="en-US" dirty="0" smtClean="0"/>
+              <a:t>他</a:t>
+            </a:r>
+            <a:r>
+              <a:rPr lang="zh-TW" altLang="en-US" dirty="0"/>
+              <a:t>物</a:t>
+            </a:r>
+            <a:r>
+              <a:rPr lang="zh-TW" altLang="en-US" dirty="0" smtClean="0"/>
+              <a:t>件</a:t>
+            </a:r>
+            <a:r>
+              <a:rPr lang="zh-TW" altLang="en-US" dirty="0"/>
+              <a:t> </a:t>
+            </a:r>
+            <a:r>
+              <a:rPr lang="en-US" altLang="zh-TW" dirty="0" smtClean="0"/>
+              <a:t>(</a:t>
+            </a:r>
+            <a:r>
+              <a:rPr lang="zh-TW" altLang="en-US" dirty="0" smtClean="0"/>
+              <a:t>地圖、殭屍</a:t>
+            </a:r>
+            <a:r>
+              <a:rPr lang="en-US" altLang="zh-TW" dirty="0" smtClean="0"/>
+              <a:t>)</a:t>
+            </a:r>
+            <a:r>
+              <a:rPr lang="zh-TW" altLang="en-US" dirty="0" smtClean="0"/>
+              <a:t> 的關係</a:t>
+            </a:r>
+            <a:endParaRPr lang="zh-TW" altLang="en-US" dirty="0"/>
+          </a:p>
+        </p:txBody>
+      </p:sp>
+    </p:spTree>
+    <p:extLst>
+      <p:ext uri="{BB962C8B-B14F-4D97-AF65-F5344CB8AC3E}">
+        <p14:creationId xmlns:p14="http://schemas.microsoft.com/office/powerpoint/2010/main" val="1993286722"/>
+      </p:ext>
+    </p:extLst>
+  </p:cSld>
+  <p:clrMapOvr>
+    <a:masterClrMapping/>
+  </p:clrMapOvr>
+  <p:timing>
+    <p:tnLst>
+      <p:par>
+        <p:cTn id="1" dur="indefinite" restart="never" nodeType="tmRoot"/>
+      </p:par>
+    </p:tnLst>
+  </p:timing>
+</p:sld>
+</file>
+
+<file path=ppt/slides/slide19.xml><?xml version="1.0" encoding="utf-8"?>
 <p:sld xmlns:a="http://schemas.openxmlformats.org/drawingml/2006/main" xmlns:r="http://schemas.openxmlformats.org/officeDocument/2006/relationships" xmlns:p="http://schemas.openxmlformats.org/presentationml/2006/main">
   <p:cSld>
     <p:spTree>
@@ -3168,7 +5187,7 @@
     </p:spTree>
     <p:extLst>
       <p:ext uri="{BB962C8B-B14F-4D97-AF65-F5344CB8AC3E}">
-        <p14:creationId xmlns:p14="http://schemas.microsoft.com/office/powerpoint/2010/main" val="2949500400"/>
+        <p14:creationId xmlns:p14="http://schemas.microsoft.com/office/powerpoint/2010/main" val="3681976828"/>
       </p:ext>
     </p:extLst>
   </p:cSld>
@@ -3178,7 +5197,97 @@
 </p:sld>
 </file>
 
-<file path=ppt/slides/slide11.xml><?xml version="1.0" encoding="utf-8"?>
+<file path=ppt/slides/slide2.xml><?xml version="1.0" encoding="utf-8"?>
+<p:sld xmlns:a="http://schemas.openxmlformats.org/drawingml/2006/main" xmlns:r="http://schemas.openxmlformats.org/officeDocument/2006/relationships" xmlns:p="http://schemas.openxmlformats.org/presentationml/2006/main">
+  <p:cSld>
+    <p:spTree>
+      <p:nvGrpSpPr>
+        <p:cNvPr id="1" name=""/>
+        <p:cNvGrpSpPr/>
+        <p:nvPr/>
+      </p:nvGrpSpPr>
+      <p:grpSpPr>
+        <a:xfrm>
+          <a:off x="0" y="0"/>
+          <a:ext cx="0" cy="0"/>
+          <a:chOff x="0" y="0"/>
+          <a:chExt cx="0" cy="0"/>
+        </a:xfrm>
+      </p:grpSpPr>
+      <p:sp>
+        <p:nvSpPr>
+          <p:cNvPr id="2" name="標題 1"/>
+          <p:cNvSpPr>
+            <a:spLocks noGrp="1"/>
+          </p:cNvSpPr>
+          <p:nvPr>
+            <p:ph type="title"/>
+          </p:nvPr>
+        </p:nvSpPr>
+        <p:spPr/>
+        <p:txBody>
+          <a:bodyPr/>
+          <a:lstStyle/>
+          <a:p>
+            <a:r>
+              <a:rPr lang="zh-TW" altLang="en-US" dirty="0" smtClean="0"/>
+              <a:t>背景知識</a:t>
+            </a:r>
+            <a:r>
+              <a:rPr lang="en-US" altLang="zh-TW" dirty="0" smtClean="0"/>
+              <a:t>:</a:t>
+            </a:r>
+            <a:r>
+              <a:rPr lang="zh-TW" altLang="en-US" dirty="0" smtClean="0"/>
+              <a:t> 電腦螢幕上的座標</a:t>
+            </a:r>
+            <a:endParaRPr lang="zh-TW" altLang="en-US" dirty="0"/>
+          </a:p>
+        </p:txBody>
+      </p:sp>
+      <p:pic>
+        <p:nvPicPr>
+          <p:cNvPr id="9" name="內容版面配置區 8"/>
+          <p:cNvPicPr>
+            <a:picLocks noGrp="1" noChangeAspect="1"/>
+          </p:cNvPicPr>
+          <p:nvPr>
+            <p:ph idx="1"/>
+          </p:nvPr>
+        </p:nvPicPr>
+        <p:blipFill>
+          <a:blip r:embed="rId2">
+            <a:extLst>
+              <a:ext uri="{28A0092B-C50C-407E-A947-70E740481C1C}">
+                <a14:useLocalDpi xmlns:a14="http://schemas.microsoft.com/office/drawing/2010/main" val="0"/>
+              </a:ext>
+            </a:extLst>
+          </a:blip>
+          <a:stretch>
+            <a:fillRect/>
+          </a:stretch>
+        </p:blipFill>
+        <p:spPr>
+          <a:xfrm>
+            <a:off x="838199" y="1690687"/>
+            <a:ext cx="5343660" cy="4720233"/>
+          </a:xfrm>
+        </p:spPr>
+      </p:pic>
+    </p:spTree>
+    <p:extLst>
+      <p:ext uri="{BB962C8B-B14F-4D97-AF65-F5344CB8AC3E}">
+        <p14:creationId xmlns:p14="http://schemas.microsoft.com/office/powerpoint/2010/main" val="3424993824"/>
+      </p:ext>
+    </p:extLst>
+  </p:cSld>
+  <p:clrMapOvr>
+    <a:masterClrMapping/>
+  </p:clrMapOvr>
+</p:sld>
+</file>
+
+<file path=ppt/slides/slide20.xml><?xml version="1.0" encoding="utf-8"?>
 <p:sld xmlns:a="http://schemas.openxmlformats.org/drawingml/2006/main" xmlns:r="http://schemas.openxmlformats.org/officeDocument/2006/relationships" xmlns:p="http://schemas.openxmlformats.org/presentationml/2006/main">
   <p:cSld>
     <p:spTree>
@@ -3389,7 +5498,7 @@
     </p:spTree>
     <p:extLst>
       <p:ext uri="{BB962C8B-B14F-4D97-AF65-F5344CB8AC3E}">
-        <p14:creationId xmlns:p14="http://schemas.microsoft.com/office/powerpoint/2010/main" val="3767308423"/>
+        <p14:creationId xmlns:p14="http://schemas.microsoft.com/office/powerpoint/2010/main" val="4029916491"/>
       </p:ext>
     </p:extLst>
   </p:cSld>
@@ -3399,570 +5508,7 @@
 </p:sld>
 </file>
 
-<file path=ppt/slides/slide12.xml><?xml version="1.0" encoding="utf-8"?>
-<p:sld xmlns:a="http://schemas.openxmlformats.org/drawingml/2006/main" xmlns:r="http://schemas.openxmlformats.org/officeDocument/2006/relationships" xmlns:p="http://schemas.openxmlformats.org/presentationml/2006/main">
-  <p:cSld>
-    <p:spTree>
-      <p:nvGrpSpPr>
-        <p:cNvPr id="1" name=""/>
-        <p:cNvGrpSpPr/>
-        <p:nvPr/>
-      </p:nvGrpSpPr>
-      <p:grpSpPr>
-        <a:xfrm>
-          <a:off x="0" y="0"/>
-          <a:ext cx="0" cy="0"/>
-          <a:chOff x="0" y="0"/>
-          <a:chExt cx="0" cy="0"/>
-        </a:xfrm>
-      </p:grpSpPr>
-      <p:sp>
-        <p:nvSpPr>
-          <p:cNvPr id="2" name="Title 1"/>
-          <p:cNvSpPr>
-            <a:spLocks noGrp="1"/>
-          </p:cNvSpPr>
-          <p:nvPr>
-            <p:ph type="title"/>
-          </p:nvPr>
-        </p:nvSpPr>
-        <p:spPr/>
-        <p:txBody>
-          <a:bodyPr/>
-          <a:lstStyle/>
-          <a:p>
-            <a:r>
-              <a:rPr lang="zh-TW" altLang="en-US" dirty="0" smtClean="0"/>
-              <a:t>遊戲目標</a:t>
-            </a:r>
-            <a:endParaRPr lang="zh-TW" altLang="en-US" dirty="0"/>
-          </a:p>
-        </p:txBody>
-      </p:sp>
-      <p:sp>
-        <p:nvSpPr>
-          <p:cNvPr id="3" name="Content Placeholder 2"/>
-          <p:cNvSpPr>
-            <a:spLocks noGrp="1"/>
-          </p:cNvSpPr>
-          <p:nvPr>
-            <p:ph idx="1"/>
-          </p:nvPr>
-        </p:nvSpPr>
-        <p:spPr/>
-        <p:txBody>
-          <a:bodyPr/>
-          <a:lstStyle/>
-          <a:p>
-            <a:r>
-              <a:rPr lang="zh-TW" altLang="en-US" dirty="0" smtClean="0"/>
-              <a:t>躲避或是打死殭屍</a:t>
-            </a:r>
-            <a:endParaRPr lang="en-US" altLang="zh-TW" dirty="0" smtClean="0"/>
-          </a:p>
-          <a:p>
-            <a:r>
-              <a:rPr lang="zh-TW" altLang="en-US" dirty="0" smtClean="0"/>
-              <a:t>在</a:t>
-            </a:r>
-            <a:r>
-              <a:rPr lang="zh-TW" altLang="en-US" dirty="0"/>
-              <a:t>時</a:t>
-            </a:r>
-            <a:r>
-              <a:rPr lang="zh-TW" altLang="en-US" dirty="0" smtClean="0"/>
-              <a:t>限內找到寶</a:t>
-            </a:r>
-            <a:r>
-              <a:rPr lang="zh-TW" altLang="en-US" dirty="0"/>
-              <a:t>藏</a:t>
-            </a:r>
-          </a:p>
-        </p:txBody>
-      </p:sp>
-    </p:spTree>
-    <p:extLst>
-      <p:ext uri="{BB962C8B-B14F-4D97-AF65-F5344CB8AC3E}">
-        <p14:creationId xmlns:p14="http://schemas.microsoft.com/office/powerpoint/2010/main" val="717991818"/>
-      </p:ext>
-    </p:extLst>
-  </p:cSld>
-  <p:clrMapOvr>
-    <a:masterClrMapping/>
-  </p:clrMapOvr>
-  <p:timing>
-    <p:tnLst>
-      <p:par>
-        <p:cTn id="1" dur="indefinite" restart="never" nodeType="tmRoot"/>
-      </p:par>
-    </p:tnLst>
-  </p:timing>
-</p:sld>
-</file>
-
-<file path=ppt/slides/slide13.xml><?xml version="1.0" encoding="utf-8"?>
-<p:sld xmlns:a="http://schemas.openxmlformats.org/drawingml/2006/main" xmlns:r="http://schemas.openxmlformats.org/officeDocument/2006/relationships" xmlns:p="http://schemas.openxmlformats.org/presentationml/2006/main">
-  <p:cSld>
-    <p:spTree>
-      <p:nvGrpSpPr>
-        <p:cNvPr id="1" name=""/>
-        <p:cNvGrpSpPr/>
-        <p:nvPr/>
-      </p:nvGrpSpPr>
-      <p:grpSpPr>
-        <a:xfrm>
-          <a:off x="0" y="0"/>
-          <a:ext cx="0" cy="0"/>
-          <a:chOff x="0" y="0"/>
-          <a:chExt cx="0" cy="0"/>
-        </a:xfrm>
-      </p:grpSpPr>
-      <p:sp>
-        <p:nvSpPr>
-          <p:cNvPr id="2" name="標題 1"/>
-          <p:cNvSpPr>
-            <a:spLocks noGrp="1"/>
-          </p:cNvSpPr>
-          <p:nvPr>
-            <p:ph type="title"/>
-          </p:nvPr>
-        </p:nvSpPr>
-        <p:spPr/>
-        <p:txBody>
-          <a:bodyPr/>
-          <a:lstStyle/>
-          <a:p>
-            <a:r>
-              <a:rPr lang="zh-TW" altLang="en-US" dirty="0" smtClean="0"/>
-              <a:t>什麼是</a:t>
-            </a:r>
-            <a:r>
-              <a:rPr lang="en-US" altLang="zh-TW" dirty="0" smtClean="0"/>
-              <a:t>sprite</a:t>
-            </a:r>
-            <a:r>
-              <a:rPr lang="zh-TW" altLang="en-US" dirty="0" smtClean="0"/>
-              <a:t> </a:t>
-            </a:r>
-            <a:r>
-              <a:rPr lang="en-US" altLang="zh-TW" dirty="0" smtClean="0"/>
-              <a:t>game?</a:t>
-            </a:r>
-            <a:endParaRPr lang="zh-TW" altLang="en-US" dirty="0"/>
-          </a:p>
-        </p:txBody>
-      </p:sp>
-      <p:sp>
-        <p:nvSpPr>
-          <p:cNvPr id="3" name="內容版面配置區 2"/>
-          <p:cNvSpPr>
-            <a:spLocks noGrp="1"/>
-          </p:cNvSpPr>
-          <p:nvPr>
-            <p:ph idx="1"/>
-          </p:nvPr>
-        </p:nvSpPr>
-        <p:spPr/>
-        <p:txBody>
-          <a:bodyPr/>
-          <a:lstStyle/>
-          <a:p>
-            <a:r>
-              <a:rPr lang="en-US" altLang="zh-TW" dirty="0">
-                <a:hlinkClick r:id="rId2"/>
-              </a:rPr>
-              <a:t>https://en.wikipedia.org/wiki/Sprite_(computer_graphics</a:t>
-            </a:r>
-            <a:r>
-              <a:rPr lang="en-US" altLang="zh-TW" dirty="0" smtClean="0">
-                <a:hlinkClick r:id="rId2"/>
-              </a:rPr>
-              <a:t>)</a:t>
-            </a:r>
-            <a:endParaRPr lang="en-US" altLang="zh-TW" dirty="0" smtClean="0"/>
-          </a:p>
-          <a:p>
-            <a:r>
-              <a:rPr lang="en-US" altLang="zh-TW" dirty="0"/>
-              <a:t>In </a:t>
-            </a:r>
-            <a:r>
-              <a:rPr lang="en-US" altLang="zh-TW" dirty="0">
-                <a:hlinkClick r:id="rId3" tooltip="Computer graphics"/>
-              </a:rPr>
-              <a:t>computer graphics</a:t>
-            </a:r>
-            <a:r>
-              <a:rPr lang="en-US" altLang="zh-TW" dirty="0"/>
-              <a:t>, a </a:t>
-            </a:r>
-            <a:r>
-              <a:rPr lang="en-US" altLang="zh-TW" b="1" dirty="0"/>
-              <a:t>sprite</a:t>
-            </a:r>
-            <a:r>
-              <a:rPr lang="en-US" altLang="zh-TW" dirty="0"/>
-              <a:t> is a </a:t>
-            </a:r>
-            <a:r>
-              <a:rPr lang="en-US" altLang="zh-TW" dirty="0">
-                <a:hlinkClick r:id="rId4" tooltip="Two-dimensional space"/>
-              </a:rPr>
-              <a:t>two-dimensional</a:t>
-            </a:r>
-            <a:r>
-              <a:rPr lang="en-US" altLang="zh-TW" dirty="0"/>
-              <a:t> </a:t>
-            </a:r>
-            <a:r>
-              <a:rPr lang="en-US" altLang="zh-TW" dirty="0">
-                <a:hlinkClick r:id="rId5" tooltip="Bitmap"/>
-              </a:rPr>
-              <a:t>bitmap</a:t>
-            </a:r>
-            <a:r>
-              <a:rPr lang="en-US" altLang="zh-TW" dirty="0"/>
-              <a:t> that is integrated into a larger </a:t>
-            </a:r>
-            <a:r>
-              <a:rPr lang="en-US" altLang="zh-TW" dirty="0" smtClean="0"/>
-              <a:t>scene.</a:t>
-            </a:r>
-          </a:p>
-          <a:p>
-            <a:pPr marL="0" indent="0">
-              <a:buNone/>
-            </a:pPr>
-            <a:endParaRPr lang="en-US" altLang="zh-TW" dirty="0" smtClean="0"/>
-          </a:p>
-          <a:p>
-            <a:pPr marL="0" indent="0">
-              <a:buNone/>
-            </a:pPr>
-            <a:r>
-              <a:rPr lang="zh-TW" altLang="en-US" dirty="0" smtClean="0"/>
-              <a:t>簡單來說</a:t>
-            </a:r>
-            <a:r>
-              <a:rPr lang="en-US" altLang="zh-TW" dirty="0" smtClean="0"/>
-              <a:t>, </a:t>
-            </a:r>
-            <a:r>
-              <a:rPr lang="zh-TW" altLang="en-US" dirty="0" smtClean="0"/>
-              <a:t>就是很多圖片構築成的</a:t>
-            </a:r>
-            <a:r>
-              <a:rPr lang="en-US" altLang="zh-TW" dirty="0" smtClean="0"/>
-              <a:t>2D</a:t>
-            </a:r>
-            <a:r>
-              <a:rPr lang="zh-TW" altLang="en-US" dirty="0" smtClean="0"/>
-              <a:t>遊戲</a:t>
-            </a:r>
-            <a:r>
-              <a:rPr lang="en-US" altLang="zh-TW" dirty="0" smtClean="0"/>
-              <a:t>.</a:t>
-            </a:r>
-            <a:endParaRPr lang="zh-TW" altLang="en-US" dirty="0"/>
-          </a:p>
-        </p:txBody>
-      </p:sp>
-    </p:spTree>
-    <p:extLst>
-      <p:ext uri="{BB962C8B-B14F-4D97-AF65-F5344CB8AC3E}">
-        <p14:creationId xmlns:p14="http://schemas.microsoft.com/office/powerpoint/2010/main" val="3255094988"/>
-      </p:ext>
-    </p:extLst>
-  </p:cSld>
-  <p:clrMapOvr>
-    <a:masterClrMapping/>
-  </p:clrMapOvr>
-  <p:timing>
-    <p:tnLst>
-      <p:par>
-        <p:cTn id="1" dur="indefinite" restart="never" nodeType="tmRoot"/>
-      </p:par>
-    </p:tnLst>
-  </p:timing>
-</p:sld>
-</file>
-
-<file path=ppt/slides/slide14.xml><?xml version="1.0" encoding="utf-8"?>
-<p:sld xmlns:a="http://schemas.openxmlformats.org/drawingml/2006/main" xmlns:r="http://schemas.openxmlformats.org/officeDocument/2006/relationships" xmlns:p="http://schemas.openxmlformats.org/presentationml/2006/main">
-  <p:cSld>
-    <p:spTree>
-      <p:nvGrpSpPr>
-        <p:cNvPr id="1" name=""/>
-        <p:cNvGrpSpPr/>
-        <p:nvPr/>
-      </p:nvGrpSpPr>
-      <p:grpSpPr>
-        <a:xfrm>
-          <a:off x="0" y="0"/>
-          <a:ext cx="0" cy="0"/>
-          <a:chOff x="0" y="0"/>
-          <a:chExt cx="0" cy="0"/>
-        </a:xfrm>
-      </p:grpSpPr>
-      <p:sp>
-        <p:nvSpPr>
-          <p:cNvPr id="2" name="標題 1"/>
-          <p:cNvSpPr>
-            <a:spLocks noGrp="1"/>
-          </p:cNvSpPr>
-          <p:nvPr>
-            <p:ph type="title"/>
-          </p:nvPr>
-        </p:nvSpPr>
-        <p:spPr/>
-        <p:txBody>
-          <a:bodyPr/>
-          <a:lstStyle/>
-          <a:p>
-            <a:r>
-              <a:rPr lang="en-US" altLang="zh-TW" dirty="0" smtClean="0"/>
-              <a:t>Demo time!</a:t>
-            </a:r>
-            <a:endParaRPr lang="zh-TW" altLang="en-US" dirty="0"/>
-          </a:p>
-        </p:txBody>
-      </p:sp>
-    </p:spTree>
-    <p:extLst>
-      <p:ext uri="{BB962C8B-B14F-4D97-AF65-F5344CB8AC3E}">
-        <p14:creationId xmlns:p14="http://schemas.microsoft.com/office/powerpoint/2010/main" val="1512886050"/>
-      </p:ext>
-    </p:extLst>
-  </p:cSld>
-  <p:clrMapOvr>
-    <a:masterClrMapping/>
-  </p:clrMapOvr>
-</p:sld>
-</file>
-
-<file path=ppt/slides/slide15.xml><?xml version="1.0" encoding="utf-8"?>
-<p:sld xmlns:a="http://schemas.openxmlformats.org/drawingml/2006/main" xmlns:r="http://schemas.openxmlformats.org/officeDocument/2006/relationships" xmlns:p="http://schemas.openxmlformats.org/presentationml/2006/main">
-  <p:cSld>
-    <p:spTree>
-      <p:nvGrpSpPr>
-        <p:cNvPr id="1" name=""/>
-        <p:cNvGrpSpPr/>
-        <p:nvPr/>
-      </p:nvGrpSpPr>
-      <p:grpSpPr>
-        <a:xfrm>
-          <a:off x="0" y="0"/>
-          <a:ext cx="0" cy="0"/>
-          <a:chOff x="0" y="0"/>
-          <a:chExt cx="0" cy="0"/>
-        </a:xfrm>
-      </p:grpSpPr>
-      <p:sp>
-        <p:nvSpPr>
-          <p:cNvPr id="2" name="Title 1"/>
-          <p:cNvSpPr>
-            <a:spLocks noGrp="1"/>
-          </p:cNvSpPr>
-          <p:nvPr>
-            <p:ph type="title"/>
-          </p:nvPr>
-        </p:nvSpPr>
-        <p:spPr/>
-        <p:txBody>
-          <a:bodyPr/>
-          <a:lstStyle/>
-          <a:p>
-            <a:r>
-              <a:rPr lang="zh-TW" altLang="en-US" dirty="0" smtClean="0"/>
-              <a:t>更新玩家的狀態</a:t>
-            </a:r>
-            <a:endParaRPr lang="zh-TW" altLang="en-US" dirty="0"/>
-          </a:p>
-        </p:txBody>
-      </p:sp>
-      <p:sp>
-        <p:nvSpPr>
-          <p:cNvPr id="3" name="Content Placeholder 2"/>
-          <p:cNvSpPr>
-            <a:spLocks noGrp="1"/>
-          </p:cNvSpPr>
-          <p:nvPr>
-            <p:ph idx="1"/>
-          </p:nvPr>
-        </p:nvSpPr>
-        <p:spPr/>
-        <p:txBody>
-          <a:bodyPr/>
-          <a:lstStyle/>
-          <a:p>
-            <a:r>
-              <a:rPr lang="zh-TW" altLang="en-US" dirty="0" smtClean="0"/>
-              <a:t>在 </a:t>
-            </a:r>
-            <a:r>
-              <a:rPr lang="en-US" altLang="zh-TW" dirty="0" smtClean="0"/>
-              <a:t>sprites.py </a:t>
-            </a:r>
-            <a:r>
-              <a:rPr lang="zh-TW" altLang="en-US" dirty="0" smtClean="0"/>
-              <a:t>中 </a:t>
-            </a:r>
-            <a:r>
-              <a:rPr lang="en-US" altLang="zh-TW" dirty="0" smtClean="0"/>
-              <a:t>class Player</a:t>
-            </a:r>
-            <a:r>
-              <a:rPr lang="zh-TW" altLang="en-US" dirty="0" smtClean="0"/>
-              <a:t> 底下的 </a:t>
-            </a:r>
-            <a:r>
-              <a:rPr lang="en-US" altLang="zh-TW" dirty="0" smtClean="0"/>
-              <a:t>update</a:t>
-            </a:r>
-          </a:p>
-          <a:p>
-            <a:r>
-              <a:rPr lang="zh-TW" altLang="en-US" dirty="0"/>
-              <a:t>做</a:t>
-            </a:r>
-            <a:r>
-              <a:rPr lang="zh-TW" altLang="en-US" dirty="0" smtClean="0"/>
-              <a:t>了</a:t>
-            </a:r>
-            <a:r>
-              <a:rPr lang="zh-TW" altLang="en-US" dirty="0"/>
-              <a:t>那</a:t>
-            </a:r>
-            <a:r>
-              <a:rPr lang="zh-TW" altLang="en-US" dirty="0" smtClean="0"/>
-              <a:t>些</a:t>
-            </a:r>
-            <a:r>
-              <a:rPr lang="zh-TW" altLang="en-US" dirty="0"/>
-              <a:t>判</a:t>
-            </a:r>
-            <a:r>
-              <a:rPr lang="zh-TW" altLang="en-US" dirty="0" smtClean="0"/>
-              <a:t>斷</a:t>
-            </a:r>
-            <a:r>
-              <a:rPr lang="en-US" altLang="zh-TW" dirty="0" smtClean="0"/>
-              <a:t>?</a:t>
-            </a:r>
-          </a:p>
-          <a:p>
-            <a:r>
-              <a:rPr lang="zh-TW" altLang="en-US" dirty="0" smtClean="0"/>
-              <a:t>玩家的資訊</a:t>
-            </a:r>
-            <a:r>
-              <a:rPr lang="en-US" altLang="zh-TW" dirty="0" smtClean="0"/>
-              <a:t>:</a:t>
-            </a:r>
-          </a:p>
-          <a:p>
-            <a:pPr lvl="1"/>
-            <a:r>
-              <a:rPr lang="zh-TW" altLang="en-US" dirty="0" smtClean="0"/>
-              <a:t>面向的</a:t>
-            </a:r>
-            <a:r>
-              <a:rPr lang="zh-TW" altLang="en-US" dirty="0"/>
-              <a:t>角</a:t>
-            </a:r>
-            <a:r>
-              <a:rPr lang="zh-TW" altLang="en-US" dirty="0" smtClean="0"/>
-              <a:t>度</a:t>
-            </a:r>
-            <a:endParaRPr lang="en-US" altLang="zh-TW" dirty="0" smtClean="0"/>
-          </a:p>
-          <a:p>
-            <a:pPr lvl="1"/>
-            <a:r>
-              <a:rPr lang="zh-TW" altLang="en-US" dirty="0"/>
-              <a:t>移</a:t>
-            </a:r>
-            <a:r>
-              <a:rPr lang="zh-TW" altLang="en-US" dirty="0" smtClean="0"/>
-              <a:t>動</a:t>
-            </a:r>
-            <a:endParaRPr lang="en-US" altLang="zh-TW" dirty="0" smtClean="0"/>
-          </a:p>
-          <a:p>
-            <a:pPr lvl="1"/>
-            <a:r>
-              <a:rPr lang="zh-TW" altLang="en-US" dirty="0"/>
-              <a:t>血量</a:t>
-            </a:r>
-            <a:endParaRPr lang="en-US" altLang="zh-TW" dirty="0" smtClean="0"/>
-          </a:p>
-          <a:p>
-            <a:pPr lvl="1"/>
-            <a:r>
-              <a:rPr lang="zh-TW" altLang="en-US" dirty="0" smtClean="0"/>
-              <a:t>跟</a:t>
-            </a:r>
-            <a:r>
-              <a:rPr lang="zh-TW" altLang="en-US" dirty="0"/>
-              <a:t>其</a:t>
-            </a:r>
-            <a:r>
-              <a:rPr lang="zh-TW" altLang="en-US" dirty="0" smtClean="0"/>
-              <a:t>他</a:t>
-            </a:r>
-            <a:r>
-              <a:rPr lang="zh-TW" altLang="en-US" dirty="0"/>
-              <a:t>物</a:t>
-            </a:r>
-            <a:r>
-              <a:rPr lang="zh-TW" altLang="en-US" dirty="0" smtClean="0"/>
-              <a:t>件</a:t>
-            </a:r>
-            <a:r>
-              <a:rPr lang="zh-TW" altLang="en-US" dirty="0"/>
-              <a:t> </a:t>
-            </a:r>
-            <a:r>
-              <a:rPr lang="en-US" altLang="zh-TW" dirty="0" smtClean="0"/>
-              <a:t>(</a:t>
-            </a:r>
-            <a:r>
-              <a:rPr lang="zh-TW" altLang="en-US" dirty="0" smtClean="0"/>
-              <a:t>地圖、殭屍</a:t>
-            </a:r>
-            <a:r>
-              <a:rPr lang="en-US" altLang="zh-TW" dirty="0" smtClean="0"/>
-              <a:t>)</a:t>
-            </a:r>
-            <a:r>
-              <a:rPr lang="zh-TW" altLang="en-US" dirty="0" smtClean="0"/>
-              <a:t> 的關係</a:t>
-            </a:r>
-            <a:endParaRPr lang="zh-TW" altLang="en-US" dirty="0"/>
-          </a:p>
-        </p:txBody>
-      </p:sp>
-    </p:spTree>
-    <p:extLst>
-      <p:ext uri="{BB962C8B-B14F-4D97-AF65-F5344CB8AC3E}">
-        <p14:creationId xmlns:p14="http://schemas.microsoft.com/office/powerpoint/2010/main" val="1993286722"/>
-      </p:ext>
-    </p:extLst>
-  </p:cSld>
-  <p:clrMapOvr>
-    <a:masterClrMapping/>
-  </p:clrMapOvr>
-  <p:timing>
-    <p:tnLst>
-      <p:par>
-        <p:cTn id="1" dur="indefinite" restart="never" nodeType="tmRoot"/>
-      </p:par>
-    </p:tnLst>
-  </p:timing>
-</p:sld>
-</file>
-
-<file path=ppt/slides/slide16.xml><?xml version="1.0" encoding="utf-8"?>
+<file path=ppt/slides/slide21.xml><?xml version="1.0" encoding="utf-8"?>
 <p:sld xmlns:a="http://schemas.openxmlformats.org/drawingml/2006/main" xmlns:r="http://schemas.openxmlformats.org/officeDocument/2006/relationships" xmlns:p="http://schemas.openxmlformats.org/presentationml/2006/main">
   <p:cSld>
     <p:spTree>
@@ -4199,7 +5745,7 @@
 </p:sld>
 </file>
 
-<file path=ppt/slides/slide17.xml><?xml version="1.0" encoding="utf-8"?>
+<file path=ppt/slides/slide22.xml><?xml version="1.0" encoding="utf-8"?>
 <p:sld xmlns:a="http://schemas.openxmlformats.org/drawingml/2006/main" xmlns:r="http://schemas.openxmlformats.org/officeDocument/2006/relationships" xmlns:p="http://schemas.openxmlformats.org/presentationml/2006/main">
   <p:cSld>
     <p:spTree>
@@ -4400,7 +5946,7 @@
 </p:sld>
 </file>
 
-<file path=ppt/slides/slide18.xml><?xml version="1.0" encoding="utf-8"?>
+<file path=ppt/slides/slide23.xml><?xml version="1.0" encoding="utf-8"?>
 <p:sld xmlns:a="http://schemas.openxmlformats.org/drawingml/2006/main" xmlns:r="http://schemas.openxmlformats.org/officeDocument/2006/relationships" xmlns:p="http://schemas.openxmlformats.org/presentationml/2006/main">
   <p:cSld>
     <p:spTree>
@@ -4434,15 +5980,7 @@
           <a:p>
             <a:r>
               <a:rPr lang="zh-TW" altLang="en-US" dirty="0" smtClean="0"/>
-              <a:t>控</a:t>
-            </a:r>
-            <a:r>
-              <a:rPr lang="zh-TW" altLang="en-US" dirty="0" smtClean="0"/>
-              <a:t>制</a:t>
-            </a:r>
-            <a:r>
-              <a:rPr lang="zh-TW" altLang="en-US" dirty="0" smtClean="0"/>
-              <a:t>角</a:t>
+              <a:t>控制角</a:t>
             </a:r>
             <a:r>
               <a:rPr lang="zh-TW" altLang="en-US" dirty="0"/>
@@ -5069,7 +6607,7 @@
 </p:sld>
 </file>
 
-<file path=ppt/slides/slide19.xml><?xml version="1.0" encoding="utf-8"?>
+<file path=ppt/slides/slide24.xml><?xml version="1.0" encoding="utf-8"?>
 <p:sld xmlns:a="http://schemas.openxmlformats.org/drawingml/2006/main" xmlns:r="http://schemas.openxmlformats.org/officeDocument/2006/relationships" xmlns:p="http://schemas.openxmlformats.org/presentationml/2006/main">
   <p:cSld>
     <p:spTree>
@@ -5365,97 +6903,7 @@
 </p:sld>
 </file>
 
-<file path=ppt/slides/slide2.xml><?xml version="1.0" encoding="utf-8"?>
-<p:sld xmlns:a="http://schemas.openxmlformats.org/drawingml/2006/main" xmlns:r="http://schemas.openxmlformats.org/officeDocument/2006/relationships" xmlns:p="http://schemas.openxmlformats.org/presentationml/2006/main">
-  <p:cSld>
-    <p:spTree>
-      <p:nvGrpSpPr>
-        <p:cNvPr id="1" name=""/>
-        <p:cNvGrpSpPr/>
-        <p:nvPr/>
-      </p:nvGrpSpPr>
-      <p:grpSpPr>
-        <a:xfrm>
-          <a:off x="0" y="0"/>
-          <a:ext cx="0" cy="0"/>
-          <a:chOff x="0" y="0"/>
-          <a:chExt cx="0" cy="0"/>
-        </a:xfrm>
-      </p:grpSpPr>
-      <p:sp>
-        <p:nvSpPr>
-          <p:cNvPr id="2" name="標題 1"/>
-          <p:cNvSpPr>
-            <a:spLocks noGrp="1"/>
-          </p:cNvSpPr>
-          <p:nvPr>
-            <p:ph type="title"/>
-          </p:nvPr>
-        </p:nvSpPr>
-        <p:spPr/>
-        <p:txBody>
-          <a:bodyPr/>
-          <a:lstStyle/>
-          <a:p>
-            <a:r>
-              <a:rPr lang="zh-TW" altLang="en-US" dirty="0" smtClean="0"/>
-              <a:t>背景知識</a:t>
-            </a:r>
-            <a:r>
-              <a:rPr lang="en-US" altLang="zh-TW" dirty="0" smtClean="0"/>
-              <a:t>:</a:t>
-            </a:r>
-            <a:r>
-              <a:rPr lang="zh-TW" altLang="en-US" dirty="0" smtClean="0"/>
-              <a:t> 電腦螢幕上的座標</a:t>
-            </a:r>
-            <a:endParaRPr lang="zh-TW" altLang="en-US" dirty="0"/>
-          </a:p>
-        </p:txBody>
-      </p:sp>
-      <p:pic>
-        <p:nvPicPr>
-          <p:cNvPr id="9" name="內容版面配置區 8"/>
-          <p:cNvPicPr>
-            <a:picLocks noGrp="1" noChangeAspect="1"/>
-          </p:cNvPicPr>
-          <p:nvPr>
-            <p:ph idx="1"/>
-          </p:nvPr>
-        </p:nvPicPr>
-        <p:blipFill>
-          <a:blip r:embed="rId2">
-            <a:extLst>
-              <a:ext uri="{28A0092B-C50C-407E-A947-70E740481C1C}">
-                <a14:useLocalDpi xmlns:a14="http://schemas.microsoft.com/office/drawing/2010/main" val="0"/>
-              </a:ext>
-            </a:extLst>
-          </a:blip>
-          <a:stretch>
-            <a:fillRect/>
-          </a:stretch>
-        </p:blipFill>
-        <p:spPr>
-          <a:xfrm>
-            <a:off x="838199" y="1690687"/>
-            <a:ext cx="5343660" cy="4720233"/>
-          </a:xfrm>
-        </p:spPr>
-      </p:pic>
-    </p:spTree>
-    <p:extLst>
-      <p:ext uri="{BB962C8B-B14F-4D97-AF65-F5344CB8AC3E}">
-        <p14:creationId xmlns:p14="http://schemas.microsoft.com/office/powerpoint/2010/main" val="3424993824"/>
-      </p:ext>
-    </p:extLst>
-  </p:cSld>
-  <p:clrMapOvr>
-    <a:masterClrMapping/>
-  </p:clrMapOvr>
-</p:sld>
-</file>
-
-<file path=ppt/slides/slide20.xml><?xml version="1.0" encoding="utf-8"?>
+<file path=ppt/slides/slide25.xml><?xml version="1.0" encoding="utf-8"?>
 <p:sld xmlns:a="http://schemas.openxmlformats.org/drawingml/2006/main" xmlns:r="http://schemas.openxmlformats.org/officeDocument/2006/relationships" xmlns:p="http://schemas.openxmlformats.org/presentationml/2006/main">
   <p:cSld>
     <p:spTree>
@@ -5618,7 +7066,7 @@
 </p:sld>
 </file>
 
-<file path=ppt/slides/slide21.xml><?xml version="1.0" encoding="utf-8"?>
+<file path=ppt/slides/slide26.xml><?xml version="1.0" encoding="utf-8"?>
 <p:sld xmlns:a="http://schemas.openxmlformats.org/drawingml/2006/main" xmlns:r="http://schemas.openxmlformats.org/officeDocument/2006/relationships" xmlns:p="http://schemas.openxmlformats.org/presentationml/2006/main">
   <p:cSld>
     <p:spTree>
@@ -6030,7 +7478,7 @@
 </p:sld>
 </file>
 
-<file path=ppt/slides/slide22.xml><?xml version="1.0" encoding="utf-8"?>
+<file path=ppt/slides/slide27.xml><?xml version="1.0" encoding="utf-8"?>
 <p:sld xmlns:a="http://schemas.openxmlformats.org/drawingml/2006/main" xmlns:r="http://schemas.openxmlformats.org/officeDocument/2006/relationships" xmlns:p="http://schemas.openxmlformats.org/presentationml/2006/main">
   <p:cSld>
     <p:spTree>
@@ -6187,7 +7635,7 @@
 </p:sld>
 </file>
 
-<file path=ppt/slides/slide23.xml><?xml version="1.0" encoding="utf-8"?>
+<file path=ppt/slides/slide28.xml><?xml version="1.0" encoding="utf-8"?>
 <p:sld xmlns:a="http://schemas.openxmlformats.org/drawingml/2006/main" xmlns:r="http://schemas.openxmlformats.org/officeDocument/2006/relationships" xmlns:p="http://schemas.openxmlformats.org/presentationml/2006/main">
   <p:cSld>
     <p:spTree>
@@ -6324,7 +7772,7 @@
 </p:sld>
 </file>
 
-<file path=ppt/slides/slide24.xml><?xml version="1.0" encoding="utf-8"?>
+<file path=ppt/slides/slide29.xml><?xml version="1.0" encoding="utf-8"?>
 <p:sld xmlns:a="http://schemas.openxmlformats.org/drawingml/2006/main" xmlns:r="http://schemas.openxmlformats.org/officeDocument/2006/relationships" xmlns:p="http://schemas.openxmlformats.org/presentationml/2006/main">
   <p:cSld>
     <p:spTree>
@@ -6396,522 +7844,6 @@
     <p:extLst>
       <p:ext uri="{BB962C8B-B14F-4D97-AF65-F5344CB8AC3E}">
         <p14:creationId xmlns:p14="http://schemas.microsoft.com/office/powerpoint/2010/main" val="2648040968"/>
-      </p:ext>
-    </p:extLst>
-  </p:cSld>
-  <p:clrMapOvr>
-    <a:masterClrMapping/>
-  </p:clrMapOvr>
-  <p:timing>
-    <p:tnLst>
-      <p:par>
-        <p:cTn id="1" dur="indefinite" restart="never" nodeType="tmRoot"/>
-      </p:par>
-    </p:tnLst>
-  </p:timing>
-</p:sld>
-</file>
-
-<file path=ppt/slides/slide25.xml><?xml version="1.0" encoding="utf-8"?>
-<p:sld xmlns:a="http://schemas.openxmlformats.org/drawingml/2006/main" xmlns:r="http://schemas.openxmlformats.org/officeDocument/2006/relationships" xmlns:p="http://schemas.openxmlformats.org/presentationml/2006/main">
-  <p:cSld>
-    <p:spTree>
-      <p:nvGrpSpPr>
-        <p:cNvPr id="1" name=""/>
-        <p:cNvGrpSpPr/>
-        <p:nvPr/>
-      </p:nvGrpSpPr>
-      <p:grpSpPr>
-        <a:xfrm>
-          <a:off x="0" y="0"/>
-          <a:ext cx="0" cy="0"/>
-          <a:chOff x="0" y="0"/>
-          <a:chExt cx="0" cy="0"/>
-        </a:xfrm>
-      </p:grpSpPr>
-      <p:sp>
-        <p:nvSpPr>
-          <p:cNvPr id="2" name="標題 1"/>
-          <p:cNvSpPr>
-            <a:spLocks noGrp="1"/>
-          </p:cNvSpPr>
-          <p:nvPr>
-            <p:ph type="title"/>
-          </p:nvPr>
-        </p:nvSpPr>
-        <p:spPr/>
-        <p:txBody>
-          <a:bodyPr/>
-          <a:lstStyle/>
-          <a:p>
-            <a:r>
-              <a:rPr lang="zh-TW" altLang="en-US" dirty="0"/>
-              <a:t>改變</a:t>
-            </a:r>
-            <a:r>
-              <a:rPr lang="zh-TW" altLang="en-US" dirty="0" smtClean="0"/>
-              <a:t>地圖</a:t>
-            </a:r>
-            <a:endParaRPr lang="zh-TW" altLang="en-US" dirty="0"/>
-          </a:p>
-        </p:txBody>
-      </p:sp>
-      <p:sp>
-        <p:nvSpPr>
-          <p:cNvPr id="3" name="內容版面配置區 2"/>
-          <p:cNvSpPr>
-            <a:spLocks noGrp="1"/>
-          </p:cNvSpPr>
-          <p:nvPr>
-            <p:ph idx="1"/>
-          </p:nvPr>
-        </p:nvSpPr>
-        <p:spPr/>
-        <p:txBody>
-          <a:bodyPr/>
-          <a:lstStyle/>
-          <a:p>
-            <a:r>
-              <a:rPr lang="en-US" altLang="zh-TW" dirty="0">
-                <a:hlinkClick r:id="rId2"/>
-              </a:rPr>
-              <a:t>https://www.mapeditor.org</a:t>
-            </a:r>
-            <a:r>
-              <a:rPr lang="en-US" altLang="zh-TW" dirty="0" smtClean="0">
-                <a:hlinkClick r:id="rId2"/>
-              </a:rPr>
-              <a:t>/</a:t>
-            </a:r>
-            <a:endParaRPr lang="en-US" altLang="zh-TW" dirty="0" smtClean="0"/>
-          </a:p>
-          <a:p>
-            <a:pPr marL="0" indent="0">
-              <a:buNone/>
-            </a:pPr>
-            <a:endParaRPr lang="zh-TW" altLang="en-US" dirty="0"/>
-          </a:p>
-        </p:txBody>
-      </p:sp>
-    </p:spTree>
-    <p:extLst>
-      <p:ext uri="{BB962C8B-B14F-4D97-AF65-F5344CB8AC3E}">
-        <p14:creationId xmlns:p14="http://schemas.microsoft.com/office/powerpoint/2010/main" val="2492455715"/>
-      </p:ext>
-    </p:extLst>
-  </p:cSld>
-  <p:clrMapOvr>
-    <a:masterClrMapping/>
-  </p:clrMapOvr>
-  <p:timing>
-    <p:tnLst>
-      <p:par>
-        <p:cTn id="1" dur="indefinite" restart="never" nodeType="tmRoot"/>
-      </p:par>
-    </p:tnLst>
-  </p:timing>
-</p:sld>
-</file>
-
-<file path=ppt/slides/slide26.xml><?xml version="1.0" encoding="utf-8"?>
-<p:sld xmlns:a="http://schemas.openxmlformats.org/drawingml/2006/main" xmlns:r="http://schemas.openxmlformats.org/officeDocument/2006/relationships" xmlns:p="http://schemas.openxmlformats.org/presentationml/2006/main">
-  <p:cSld>
-    <p:spTree>
-      <p:nvGrpSpPr>
-        <p:cNvPr id="1" name=""/>
-        <p:cNvGrpSpPr/>
-        <p:nvPr/>
-      </p:nvGrpSpPr>
-      <p:grpSpPr>
-        <a:xfrm>
-          <a:off x="0" y="0"/>
-          <a:ext cx="0" cy="0"/>
-          <a:chOff x="0" y="0"/>
-          <a:chExt cx="0" cy="0"/>
-        </a:xfrm>
-      </p:grpSpPr>
-      <p:pic>
-        <p:nvPicPr>
-          <p:cNvPr id="4" name="內容版面配置區 3"/>
-          <p:cNvPicPr>
-            <a:picLocks noGrp="1" noChangeAspect="1"/>
-          </p:cNvPicPr>
-          <p:nvPr>
-            <p:ph idx="1"/>
-          </p:nvPr>
-        </p:nvPicPr>
-        <p:blipFill>
-          <a:blip r:embed="rId2" cstate="print">
-            <a:extLst>
-              <a:ext uri="{28A0092B-C50C-407E-A947-70E740481C1C}">
-                <a14:useLocalDpi xmlns:a14="http://schemas.microsoft.com/office/drawing/2010/main" val="0"/>
-              </a:ext>
-            </a:extLst>
-          </a:blip>
-          <a:stretch>
-            <a:fillRect/>
-          </a:stretch>
-        </p:blipFill>
-        <p:spPr>
-          <a:xfrm>
-            <a:off x="0" y="0"/>
-            <a:ext cx="5884666" cy="4351338"/>
-          </a:xfrm>
-        </p:spPr>
-      </p:pic>
-      <p:pic>
-        <p:nvPicPr>
-          <p:cNvPr id="5" name="圖片 4"/>
-          <p:cNvPicPr>
-            <a:picLocks noChangeAspect="1"/>
-          </p:cNvPicPr>
-          <p:nvPr/>
-        </p:nvPicPr>
-        <p:blipFill>
-          <a:blip r:embed="rId3">
-            <a:extLst>
-              <a:ext uri="{28A0092B-C50C-407E-A947-70E740481C1C}">
-                <a14:useLocalDpi xmlns:a14="http://schemas.microsoft.com/office/drawing/2010/main" val="0"/>
-              </a:ext>
-            </a:extLst>
-          </a:blip>
-          <a:stretch>
-            <a:fillRect/>
-          </a:stretch>
-        </p:blipFill>
-        <p:spPr>
-          <a:xfrm>
-            <a:off x="5855048" y="4610637"/>
-            <a:ext cx="6336952" cy="2247363"/>
-          </a:xfrm>
-          <a:prstGeom prst="rect">
-            <a:avLst/>
-          </a:prstGeom>
-        </p:spPr>
-      </p:pic>
-      <p:sp>
-        <p:nvSpPr>
-          <p:cNvPr id="6" name="向右箭號 5"/>
-          <p:cNvSpPr/>
-          <p:nvPr/>
-        </p:nvSpPr>
-        <p:spPr>
-          <a:xfrm>
-            <a:off x="6194738" y="643944"/>
-            <a:ext cx="1700011" cy="927279"/>
-          </a:xfrm>
-          <a:prstGeom prst="rightArrow">
-            <a:avLst/>
-          </a:prstGeom>
-        </p:spPr>
-        <p:style>
-          <a:lnRef idx="2">
-            <a:schemeClr val="accent2">
-              <a:shade val="50000"/>
-            </a:schemeClr>
-          </a:lnRef>
-          <a:fillRef idx="1">
-            <a:schemeClr val="accent2"/>
-          </a:fillRef>
-          <a:effectRef idx="0">
-            <a:schemeClr val="accent2"/>
-          </a:effectRef>
-          <a:fontRef idx="minor">
-            <a:schemeClr val="lt1"/>
-          </a:fontRef>
-        </p:style>
-        <p:txBody>
-          <a:bodyPr rtlCol="0" anchor="ctr"/>
-          <a:lstStyle/>
-          <a:p>
-            <a:pPr algn="ctr"/>
-            <a:endParaRPr lang="zh-TW" altLang="en-US"/>
-          </a:p>
-        </p:txBody>
-      </p:sp>
-      <p:sp>
-        <p:nvSpPr>
-          <p:cNvPr id="7" name="文字方塊 6"/>
-          <p:cNvSpPr txBox="1"/>
-          <p:nvPr/>
-        </p:nvSpPr>
-        <p:spPr>
-          <a:xfrm>
-            <a:off x="9023524" y="753640"/>
-            <a:ext cx="2421228" cy="707886"/>
-          </a:xfrm>
-          <a:prstGeom prst="rect">
-            <a:avLst/>
-          </a:prstGeom>
-          <a:noFill/>
-        </p:spPr>
-        <p:txBody>
-          <a:bodyPr wrap="square" rtlCol="0">
-            <a:spAutoFit/>
-          </a:bodyPr>
-          <a:lstStyle/>
-          <a:p>
-            <a:r>
-              <a:rPr lang="en-US" altLang="zh-TW" sz="4000" dirty="0" smtClean="0"/>
-              <a:t>Tiled</a:t>
-            </a:r>
-            <a:endParaRPr lang="zh-TW" altLang="en-US" sz="4000" dirty="0"/>
-          </a:p>
-        </p:txBody>
-      </p:sp>
-      <p:sp>
-        <p:nvSpPr>
-          <p:cNvPr id="8" name="向下箭號 7"/>
-          <p:cNvSpPr/>
-          <p:nvPr/>
-        </p:nvSpPr>
-        <p:spPr>
-          <a:xfrm>
-            <a:off x="9165191" y="2234485"/>
-            <a:ext cx="1068947" cy="1712890"/>
-          </a:xfrm>
-          <a:prstGeom prst="downArrow">
-            <a:avLst/>
-          </a:prstGeom>
-        </p:spPr>
-        <p:style>
-          <a:lnRef idx="2">
-            <a:schemeClr val="accent2">
-              <a:shade val="50000"/>
-            </a:schemeClr>
-          </a:lnRef>
-          <a:fillRef idx="1">
-            <a:schemeClr val="accent2"/>
-          </a:fillRef>
-          <a:effectRef idx="0">
-            <a:schemeClr val="accent2"/>
-          </a:effectRef>
-          <a:fontRef idx="minor">
-            <a:schemeClr val="lt1"/>
-          </a:fontRef>
-        </p:style>
-        <p:txBody>
-          <a:bodyPr rtlCol="0" anchor="ctr"/>
-          <a:lstStyle/>
-          <a:p>
-            <a:pPr algn="ctr"/>
-            <a:endParaRPr lang="zh-TW" altLang="en-US"/>
-          </a:p>
-        </p:txBody>
-      </p:sp>
-    </p:spTree>
-    <p:extLst>
-      <p:ext uri="{BB962C8B-B14F-4D97-AF65-F5344CB8AC3E}">
-        <p14:creationId xmlns:p14="http://schemas.microsoft.com/office/powerpoint/2010/main" val="4036970685"/>
-      </p:ext>
-    </p:extLst>
-  </p:cSld>
-  <p:clrMapOvr>
-    <a:masterClrMapping/>
-  </p:clrMapOvr>
-  <p:timing>
-    <p:tnLst>
-      <p:par>
-        <p:cTn id="1" dur="indefinite" restart="never" nodeType="tmRoot"/>
-      </p:par>
-    </p:tnLst>
-  </p:timing>
-</p:sld>
-</file>
-
-<file path=ppt/slides/slide27.xml><?xml version="1.0" encoding="utf-8"?>
-<p:sld xmlns:a="http://schemas.openxmlformats.org/drawingml/2006/main" xmlns:r="http://schemas.openxmlformats.org/officeDocument/2006/relationships" xmlns:p="http://schemas.openxmlformats.org/presentationml/2006/main">
-  <p:cSld>
-    <p:spTree>
-      <p:nvGrpSpPr>
-        <p:cNvPr id="1" name=""/>
-        <p:cNvGrpSpPr/>
-        <p:nvPr/>
-      </p:nvGrpSpPr>
-      <p:grpSpPr>
-        <a:xfrm>
-          <a:off x="0" y="0"/>
-          <a:ext cx="0" cy="0"/>
-          <a:chOff x="0" y="0"/>
-          <a:chExt cx="0" cy="0"/>
-        </a:xfrm>
-      </p:grpSpPr>
-      <p:sp>
-        <p:nvSpPr>
-          <p:cNvPr id="2" name="標題 1"/>
-          <p:cNvSpPr>
-            <a:spLocks noGrp="1"/>
-          </p:cNvSpPr>
-          <p:nvPr>
-            <p:ph type="title"/>
-          </p:nvPr>
-        </p:nvSpPr>
-        <p:spPr/>
-        <p:txBody>
-          <a:bodyPr/>
-          <a:lstStyle/>
-          <a:p>
-            <a:endParaRPr lang="zh-TW" altLang="en-US"/>
-          </a:p>
-        </p:txBody>
-      </p:sp>
-      <p:pic>
-        <p:nvPicPr>
-          <p:cNvPr id="4" name="內容版面配置區 3"/>
-          <p:cNvPicPr>
-            <a:picLocks noGrp="1" noChangeAspect="1"/>
-          </p:cNvPicPr>
-          <p:nvPr>
-            <p:ph idx="1"/>
-          </p:nvPr>
-        </p:nvPicPr>
-        <p:blipFill>
-          <a:blip r:embed="rId2">
-            <a:extLst>
-              <a:ext uri="{28A0092B-C50C-407E-A947-70E740481C1C}">
-                <a14:useLocalDpi xmlns:a14="http://schemas.microsoft.com/office/drawing/2010/main" val="0"/>
-              </a:ext>
-            </a:extLst>
-          </a:blip>
-          <a:stretch>
-            <a:fillRect/>
-          </a:stretch>
-        </p:blipFill>
-        <p:spPr>
-          <a:xfrm>
-            <a:off x="0" y="-1"/>
-            <a:ext cx="12177790" cy="6858001"/>
-          </a:xfrm>
-        </p:spPr>
-      </p:pic>
-    </p:spTree>
-    <p:extLst>
-      <p:ext uri="{BB962C8B-B14F-4D97-AF65-F5344CB8AC3E}">
-        <p14:creationId xmlns:p14="http://schemas.microsoft.com/office/powerpoint/2010/main" val="1032483000"/>
-      </p:ext>
-    </p:extLst>
-  </p:cSld>
-  <p:clrMapOvr>
-    <a:masterClrMapping/>
-  </p:clrMapOvr>
-  <p:timing>
-    <p:tnLst>
-      <p:par>
-        <p:cTn id="1" dur="indefinite" restart="never" nodeType="tmRoot"/>
-      </p:par>
-    </p:tnLst>
-  </p:timing>
-</p:sld>
-</file>
-
-<file path=ppt/slides/slide28.xml><?xml version="1.0" encoding="utf-8"?>
-<p:sld xmlns:a="http://schemas.openxmlformats.org/drawingml/2006/main" xmlns:r="http://schemas.openxmlformats.org/officeDocument/2006/relationships" xmlns:p="http://schemas.openxmlformats.org/presentationml/2006/main">
-  <p:cSld>
-    <p:spTree>
-      <p:nvGrpSpPr>
-        <p:cNvPr id="1" name=""/>
-        <p:cNvGrpSpPr/>
-        <p:nvPr/>
-      </p:nvGrpSpPr>
-      <p:grpSpPr>
-        <a:xfrm>
-          <a:off x="0" y="0"/>
-          <a:ext cx="0" cy="0"/>
-          <a:chOff x="0" y="0"/>
-          <a:chExt cx="0" cy="0"/>
-        </a:xfrm>
-      </p:grpSpPr>
-      <p:sp>
-        <p:nvSpPr>
-          <p:cNvPr id="3" name="內容版面配置區 2"/>
-          <p:cNvSpPr>
-            <a:spLocks noGrp="1"/>
-          </p:cNvSpPr>
-          <p:nvPr>
-            <p:ph idx="1"/>
-          </p:nvPr>
-        </p:nvSpPr>
-        <p:spPr>
-          <a:xfrm>
-            <a:off x="838200" y="540913"/>
-            <a:ext cx="10515600" cy="5636050"/>
-          </a:xfrm>
-        </p:spPr>
-        <p:txBody>
-          <a:bodyPr/>
-          <a:lstStyle/>
-          <a:p>
-            <a:pPr marL="0" indent="0">
-              <a:buNone/>
-            </a:pPr>
-            <a:r>
-              <a:rPr lang="en-US" altLang="zh-TW" dirty="0" smtClean="0"/>
-              <a:t>Reference and resources:</a:t>
-            </a:r>
-          </a:p>
-          <a:p>
-            <a:pPr marL="0" indent="0">
-              <a:buNone/>
-            </a:pPr>
-            <a:endParaRPr lang="en-US" altLang="zh-TW" dirty="0" smtClean="0"/>
-          </a:p>
-          <a:p>
-            <a:r>
-              <a:rPr lang="en-US" altLang="zh-TW" dirty="0" smtClean="0">
-                <a:hlinkClick r:id="rId2"/>
-              </a:rPr>
-              <a:t>https</a:t>
-            </a:r>
-            <a:r>
-              <a:rPr lang="en-US" altLang="zh-TW" dirty="0">
-                <a:hlinkClick r:id="rId2"/>
-              </a:rPr>
-              <a:t>://</a:t>
-            </a:r>
-            <a:r>
-              <a:rPr lang="en-US" altLang="zh-TW" dirty="0" smtClean="0">
-                <a:hlinkClick r:id="rId2"/>
-              </a:rPr>
-              <a:t>github.com/kidscancode/pygame_tutorials</a:t>
-            </a:r>
-            <a:endParaRPr lang="en-US" altLang="zh-TW" dirty="0" smtClean="0"/>
-          </a:p>
-          <a:p>
-            <a:r>
-              <a:rPr lang="en-US" altLang="zh-TW" dirty="0">
-                <a:hlinkClick r:id="rId3"/>
-              </a:rPr>
-              <a:t>https://</a:t>
-            </a:r>
-            <a:r>
-              <a:rPr lang="en-US" altLang="zh-TW" dirty="0" smtClean="0">
-                <a:hlinkClick r:id="rId3"/>
-              </a:rPr>
-              <a:t>opengameart.org/art-search?keys=kenney</a:t>
-            </a:r>
-            <a:endParaRPr lang="en-US" altLang="zh-TW" dirty="0" smtClean="0"/>
-          </a:p>
-          <a:p>
-            <a:r>
-              <a:rPr lang="en-US" altLang="zh-TW" dirty="0">
-                <a:hlinkClick r:id="rId4"/>
-              </a:rPr>
-              <a:t>https://www.mapeditor.org/</a:t>
-            </a:r>
-            <a:endParaRPr lang="en-US" altLang="zh-TW" dirty="0"/>
-          </a:p>
-          <a:p>
-            <a:endParaRPr lang="en-US" altLang="zh-TW" dirty="0" smtClean="0"/>
-          </a:p>
-          <a:p>
-            <a:endParaRPr lang="zh-TW" altLang="en-US" dirty="0"/>
-          </a:p>
-        </p:txBody>
-      </p:sp>
-    </p:spTree>
-    <p:extLst>
-      <p:ext uri="{BB962C8B-B14F-4D97-AF65-F5344CB8AC3E}">
-        <p14:creationId xmlns:p14="http://schemas.microsoft.com/office/powerpoint/2010/main" val="1223797363"/>
       </p:ext>
     </p:extLst>
   </p:cSld>
@@ -7176,6 +8108,573 @@
 </p:sld>
 </file>
 
+<file path=ppt/slides/slide30.xml><?xml version="1.0" encoding="utf-8"?>
+<p:sld xmlns:a="http://schemas.openxmlformats.org/drawingml/2006/main" xmlns:r="http://schemas.openxmlformats.org/officeDocument/2006/relationships" xmlns:p="http://schemas.openxmlformats.org/presentationml/2006/main">
+  <p:cSld>
+    <p:spTree>
+      <p:nvGrpSpPr>
+        <p:cNvPr id="1" name=""/>
+        <p:cNvGrpSpPr/>
+        <p:nvPr/>
+      </p:nvGrpSpPr>
+      <p:grpSpPr>
+        <a:xfrm>
+          <a:off x="0" y="0"/>
+          <a:ext cx="0" cy="0"/>
+          <a:chOff x="0" y="0"/>
+          <a:chExt cx="0" cy="0"/>
+        </a:xfrm>
+      </p:grpSpPr>
+      <p:sp>
+        <p:nvSpPr>
+          <p:cNvPr id="2" name="標題 1"/>
+          <p:cNvSpPr>
+            <a:spLocks noGrp="1"/>
+          </p:cNvSpPr>
+          <p:nvPr>
+            <p:ph type="title"/>
+          </p:nvPr>
+        </p:nvSpPr>
+        <p:spPr/>
+        <p:txBody>
+          <a:bodyPr/>
+          <a:lstStyle/>
+          <a:p>
+            <a:r>
+              <a:rPr lang="zh-TW" altLang="en-US" dirty="0"/>
+              <a:t>改變</a:t>
+            </a:r>
+            <a:r>
+              <a:rPr lang="zh-TW" altLang="en-US" dirty="0" smtClean="0"/>
+              <a:t>地圖</a:t>
+            </a:r>
+            <a:endParaRPr lang="zh-TW" altLang="en-US" dirty="0"/>
+          </a:p>
+        </p:txBody>
+      </p:sp>
+      <p:sp>
+        <p:nvSpPr>
+          <p:cNvPr id="3" name="內容版面配置區 2"/>
+          <p:cNvSpPr>
+            <a:spLocks noGrp="1"/>
+          </p:cNvSpPr>
+          <p:nvPr>
+            <p:ph idx="1"/>
+          </p:nvPr>
+        </p:nvSpPr>
+        <p:spPr/>
+        <p:txBody>
+          <a:bodyPr/>
+          <a:lstStyle/>
+          <a:p>
+            <a:r>
+              <a:rPr lang="en-US" altLang="zh-TW" dirty="0">
+                <a:hlinkClick r:id="rId2"/>
+              </a:rPr>
+              <a:t>https://www.mapeditor.org</a:t>
+            </a:r>
+            <a:r>
+              <a:rPr lang="en-US" altLang="zh-TW" dirty="0" smtClean="0">
+                <a:hlinkClick r:id="rId2"/>
+              </a:rPr>
+              <a:t>/</a:t>
+            </a:r>
+            <a:endParaRPr lang="en-US" altLang="zh-TW" dirty="0" smtClean="0"/>
+          </a:p>
+          <a:p>
+            <a:r>
+              <a:rPr lang="zh-TW" altLang="en-US" dirty="0"/>
+              <a:t>執</a:t>
+            </a:r>
+            <a:r>
+              <a:rPr lang="zh-TW" altLang="en-US" dirty="0" smtClean="0"/>
+              <a:t>行</a:t>
+            </a:r>
+            <a:r>
+              <a:rPr lang="zh-TW" altLang="en-US" dirty="0"/>
+              <a:t> </a:t>
+            </a:r>
+            <a:r>
+              <a:rPr lang="en-US" altLang="zh-TW" dirty="0" err="1" smtClean="0"/>
+              <a:t>tilemap</a:t>
+            </a:r>
+            <a:r>
+              <a:rPr lang="zh-TW" altLang="en-US" dirty="0"/>
+              <a:t> </a:t>
+            </a:r>
+            <a:r>
+              <a:rPr lang="en-US" altLang="zh-TW" dirty="0" smtClean="0"/>
+              <a:t>editor</a:t>
+            </a:r>
+          </a:p>
+          <a:p>
+            <a:pPr marL="0" indent="0">
+              <a:buNone/>
+            </a:pPr>
+            <a:r>
+              <a:rPr lang="en-US" altLang="zh-TW" dirty="0" smtClean="0"/>
+              <a:t>./</a:t>
+            </a:r>
+            <a:r>
+              <a:rPr lang="en-US" altLang="zh-TW" dirty="0" err="1" smtClean="0"/>
+              <a:t>mapeditor</a:t>
+            </a:r>
+            <a:r>
+              <a:rPr lang="en-US" altLang="zh-TW" dirty="0" smtClean="0"/>
+              <a:t>/</a:t>
+            </a:r>
+            <a:r>
+              <a:rPr lang="en-US" altLang="zh-TW" dirty="0" err="1" smtClean="0"/>
+              <a:t>AppRun</a:t>
+            </a:r>
+            <a:endParaRPr lang="en-US" altLang="zh-TW" dirty="0" smtClean="0"/>
+          </a:p>
+          <a:p>
+            <a:endParaRPr lang="en-US" altLang="zh-TW" dirty="0" smtClean="0"/>
+          </a:p>
+          <a:p>
+            <a:pPr marL="0" indent="0">
+              <a:buNone/>
+            </a:pPr>
+            <a:endParaRPr lang="zh-TW" altLang="en-US" dirty="0"/>
+          </a:p>
+        </p:txBody>
+      </p:sp>
+    </p:spTree>
+    <p:extLst>
+      <p:ext uri="{BB962C8B-B14F-4D97-AF65-F5344CB8AC3E}">
+        <p14:creationId xmlns:p14="http://schemas.microsoft.com/office/powerpoint/2010/main" val="2492455715"/>
+      </p:ext>
+    </p:extLst>
+  </p:cSld>
+  <p:clrMapOvr>
+    <a:masterClrMapping/>
+  </p:clrMapOvr>
+  <p:timing>
+    <p:tnLst>
+      <p:par>
+        <p:cTn id="1" dur="indefinite" restart="never" nodeType="tmRoot"/>
+      </p:par>
+    </p:tnLst>
+  </p:timing>
+</p:sld>
+</file>
+
+<file path=ppt/slides/slide31.xml><?xml version="1.0" encoding="utf-8"?>
+<p:sld xmlns:a="http://schemas.openxmlformats.org/drawingml/2006/main" xmlns:r="http://schemas.openxmlformats.org/officeDocument/2006/relationships" xmlns:p="http://schemas.openxmlformats.org/presentationml/2006/main">
+  <p:cSld>
+    <p:spTree>
+      <p:nvGrpSpPr>
+        <p:cNvPr id="1" name=""/>
+        <p:cNvGrpSpPr/>
+        <p:nvPr/>
+      </p:nvGrpSpPr>
+      <p:grpSpPr>
+        <a:xfrm>
+          <a:off x="0" y="0"/>
+          <a:ext cx="0" cy="0"/>
+          <a:chOff x="0" y="0"/>
+          <a:chExt cx="0" cy="0"/>
+        </a:xfrm>
+      </p:grpSpPr>
+      <p:pic>
+        <p:nvPicPr>
+          <p:cNvPr id="4" name="內容版面配置區 3"/>
+          <p:cNvPicPr>
+            <a:picLocks noGrp="1" noChangeAspect="1"/>
+          </p:cNvPicPr>
+          <p:nvPr>
+            <p:ph idx="1"/>
+          </p:nvPr>
+        </p:nvPicPr>
+        <p:blipFill>
+          <a:blip r:embed="rId2" cstate="print">
+            <a:extLst>
+              <a:ext uri="{28A0092B-C50C-407E-A947-70E740481C1C}">
+                <a14:useLocalDpi xmlns:a14="http://schemas.microsoft.com/office/drawing/2010/main" val="0"/>
+              </a:ext>
+            </a:extLst>
+          </a:blip>
+          <a:stretch>
+            <a:fillRect/>
+          </a:stretch>
+        </p:blipFill>
+        <p:spPr>
+          <a:xfrm>
+            <a:off x="0" y="0"/>
+            <a:ext cx="5884666" cy="4351338"/>
+          </a:xfrm>
+        </p:spPr>
+      </p:pic>
+      <p:pic>
+        <p:nvPicPr>
+          <p:cNvPr id="5" name="圖片 4"/>
+          <p:cNvPicPr>
+            <a:picLocks noChangeAspect="1"/>
+          </p:cNvPicPr>
+          <p:nvPr/>
+        </p:nvPicPr>
+        <p:blipFill>
+          <a:blip r:embed="rId3">
+            <a:extLst>
+              <a:ext uri="{28A0092B-C50C-407E-A947-70E740481C1C}">
+                <a14:useLocalDpi xmlns:a14="http://schemas.microsoft.com/office/drawing/2010/main" val="0"/>
+              </a:ext>
+            </a:extLst>
+          </a:blip>
+          <a:stretch>
+            <a:fillRect/>
+          </a:stretch>
+        </p:blipFill>
+        <p:spPr>
+          <a:xfrm>
+            <a:off x="5855048" y="4610637"/>
+            <a:ext cx="6336952" cy="2247363"/>
+          </a:xfrm>
+          <a:prstGeom prst="rect">
+            <a:avLst/>
+          </a:prstGeom>
+        </p:spPr>
+      </p:pic>
+      <p:sp>
+        <p:nvSpPr>
+          <p:cNvPr id="6" name="向右箭號 5"/>
+          <p:cNvSpPr/>
+          <p:nvPr/>
+        </p:nvSpPr>
+        <p:spPr>
+          <a:xfrm>
+            <a:off x="6194738" y="643944"/>
+            <a:ext cx="1700011" cy="927279"/>
+          </a:xfrm>
+          <a:prstGeom prst="rightArrow">
+            <a:avLst/>
+          </a:prstGeom>
+        </p:spPr>
+        <p:style>
+          <a:lnRef idx="2">
+            <a:schemeClr val="accent2">
+              <a:shade val="50000"/>
+            </a:schemeClr>
+          </a:lnRef>
+          <a:fillRef idx="1">
+            <a:schemeClr val="accent2"/>
+          </a:fillRef>
+          <a:effectRef idx="0">
+            <a:schemeClr val="accent2"/>
+          </a:effectRef>
+          <a:fontRef idx="minor">
+            <a:schemeClr val="lt1"/>
+          </a:fontRef>
+        </p:style>
+        <p:txBody>
+          <a:bodyPr rtlCol="0" anchor="ctr"/>
+          <a:lstStyle/>
+          <a:p>
+            <a:pPr algn="ctr"/>
+            <a:endParaRPr lang="zh-TW" altLang="en-US"/>
+          </a:p>
+        </p:txBody>
+      </p:sp>
+      <p:sp>
+        <p:nvSpPr>
+          <p:cNvPr id="7" name="文字方塊 6"/>
+          <p:cNvSpPr txBox="1"/>
+          <p:nvPr/>
+        </p:nvSpPr>
+        <p:spPr>
+          <a:xfrm>
+            <a:off x="9023524" y="753640"/>
+            <a:ext cx="2421228" cy="707886"/>
+          </a:xfrm>
+          <a:prstGeom prst="rect">
+            <a:avLst/>
+          </a:prstGeom>
+          <a:noFill/>
+        </p:spPr>
+        <p:txBody>
+          <a:bodyPr wrap="square" rtlCol="0">
+            <a:spAutoFit/>
+          </a:bodyPr>
+          <a:lstStyle/>
+          <a:p>
+            <a:r>
+              <a:rPr lang="en-US" altLang="zh-TW" sz="4000" dirty="0" smtClean="0"/>
+              <a:t>Tiled</a:t>
+            </a:r>
+            <a:endParaRPr lang="zh-TW" altLang="en-US" sz="4000" dirty="0"/>
+          </a:p>
+        </p:txBody>
+      </p:sp>
+      <p:sp>
+        <p:nvSpPr>
+          <p:cNvPr id="8" name="向下箭號 7"/>
+          <p:cNvSpPr/>
+          <p:nvPr/>
+        </p:nvSpPr>
+        <p:spPr>
+          <a:xfrm>
+            <a:off x="9165191" y="2234485"/>
+            <a:ext cx="1068947" cy="1712890"/>
+          </a:xfrm>
+          <a:prstGeom prst="downArrow">
+            <a:avLst/>
+          </a:prstGeom>
+        </p:spPr>
+        <p:style>
+          <a:lnRef idx="2">
+            <a:schemeClr val="accent2">
+              <a:shade val="50000"/>
+            </a:schemeClr>
+          </a:lnRef>
+          <a:fillRef idx="1">
+            <a:schemeClr val="accent2"/>
+          </a:fillRef>
+          <a:effectRef idx="0">
+            <a:schemeClr val="accent2"/>
+          </a:effectRef>
+          <a:fontRef idx="minor">
+            <a:schemeClr val="lt1"/>
+          </a:fontRef>
+        </p:style>
+        <p:txBody>
+          <a:bodyPr rtlCol="0" anchor="ctr"/>
+          <a:lstStyle/>
+          <a:p>
+            <a:pPr algn="ctr"/>
+            <a:endParaRPr lang="zh-TW" altLang="en-US"/>
+          </a:p>
+        </p:txBody>
+      </p:sp>
+    </p:spTree>
+    <p:extLst>
+      <p:ext uri="{BB962C8B-B14F-4D97-AF65-F5344CB8AC3E}">
+        <p14:creationId xmlns:p14="http://schemas.microsoft.com/office/powerpoint/2010/main" val="4036970685"/>
+      </p:ext>
+    </p:extLst>
+  </p:cSld>
+  <p:clrMapOvr>
+    <a:masterClrMapping/>
+  </p:clrMapOvr>
+  <p:timing>
+    <p:tnLst>
+      <p:par>
+        <p:cTn id="1" dur="indefinite" restart="never" nodeType="tmRoot"/>
+      </p:par>
+    </p:tnLst>
+  </p:timing>
+</p:sld>
+</file>
+
+<file path=ppt/slides/slide32.xml><?xml version="1.0" encoding="utf-8"?>
+<p:sld xmlns:a="http://schemas.openxmlformats.org/drawingml/2006/main" xmlns:r="http://schemas.openxmlformats.org/officeDocument/2006/relationships" xmlns:p="http://schemas.openxmlformats.org/presentationml/2006/main">
+  <p:cSld>
+    <p:spTree>
+      <p:nvGrpSpPr>
+        <p:cNvPr id="1" name=""/>
+        <p:cNvGrpSpPr/>
+        <p:nvPr/>
+      </p:nvGrpSpPr>
+      <p:grpSpPr>
+        <a:xfrm>
+          <a:off x="0" y="0"/>
+          <a:ext cx="0" cy="0"/>
+          <a:chOff x="0" y="0"/>
+          <a:chExt cx="0" cy="0"/>
+        </a:xfrm>
+      </p:grpSpPr>
+      <p:sp>
+        <p:nvSpPr>
+          <p:cNvPr id="2" name="標題 1"/>
+          <p:cNvSpPr>
+            <a:spLocks noGrp="1"/>
+          </p:cNvSpPr>
+          <p:nvPr>
+            <p:ph type="title"/>
+          </p:nvPr>
+        </p:nvSpPr>
+        <p:spPr/>
+        <p:txBody>
+          <a:bodyPr/>
+          <a:lstStyle/>
+          <a:p>
+            <a:endParaRPr lang="zh-TW" altLang="en-US"/>
+          </a:p>
+        </p:txBody>
+      </p:sp>
+      <p:pic>
+        <p:nvPicPr>
+          <p:cNvPr id="4" name="內容版面配置區 3"/>
+          <p:cNvPicPr>
+            <a:picLocks noGrp="1" noChangeAspect="1"/>
+          </p:cNvPicPr>
+          <p:nvPr>
+            <p:ph idx="1"/>
+          </p:nvPr>
+        </p:nvPicPr>
+        <p:blipFill>
+          <a:blip r:embed="rId2">
+            <a:extLst>
+              <a:ext uri="{28A0092B-C50C-407E-A947-70E740481C1C}">
+                <a14:useLocalDpi xmlns:a14="http://schemas.microsoft.com/office/drawing/2010/main" val="0"/>
+              </a:ext>
+            </a:extLst>
+          </a:blip>
+          <a:stretch>
+            <a:fillRect/>
+          </a:stretch>
+        </p:blipFill>
+        <p:spPr>
+          <a:xfrm>
+            <a:off x="0" y="-1"/>
+            <a:ext cx="12177790" cy="6858001"/>
+          </a:xfrm>
+        </p:spPr>
+      </p:pic>
+    </p:spTree>
+    <p:extLst>
+      <p:ext uri="{BB962C8B-B14F-4D97-AF65-F5344CB8AC3E}">
+        <p14:creationId xmlns:p14="http://schemas.microsoft.com/office/powerpoint/2010/main" val="1032483000"/>
+      </p:ext>
+    </p:extLst>
+  </p:cSld>
+  <p:clrMapOvr>
+    <a:masterClrMapping/>
+  </p:clrMapOvr>
+  <p:timing>
+    <p:tnLst>
+      <p:par>
+        <p:cTn id="1" dur="indefinite" restart="never" nodeType="tmRoot"/>
+      </p:par>
+    </p:tnLst>
+  </p:timing>
+</p:sld>
+</file>
+
+<file path=ppt/slides/slide33.xml><?xml version="1.0" encoding="utf-8"?>
+<p:sld xmlns:a="http://schemas.openxmlformats.org/drawingml/2006/main" xmlns:r="http://schemas.openxmlformats.org/officeDocument/2006/relationships" xmlns:p="http://schemas.openxmlformats.org/presentationml/2006/main">
+  <p:cSld>
+    <p:spTree>
+      <p:nvGrpSpPr>
+        <p:cNvPr id="1" name=""/>
+        <p:cNvGrpSpPr/>
+        <p:nvPr/>
+      </p:nvGrpSpPr>
+      <p:grpSpPr>
+        <a:xfrm>
+          <a:off x="0" y="0"/>
+          <a:ext cx="0" cy="0"/>
+          <a:chOff x="0" y="0"/>
+          <a:chExt cx="0" cy="0"/>
+        </a:xfrm>
+      </p:grpSpPr>
+      <p:sp>
+        <p:nvSpPr>
+          <p:cNvPr id="3" name="內容版面配置區 2"/>
+          <p:cNvSpPr>
+            <a:spLocks noGrp="1"/>
+          </p:cNvSpPr>
+          <p:nvPr>
+            <p:ph idx="1"/>
+          </p:nvPr>
+        </p:nvSpPr>
+        <p:spPr>
+          <a:xfrm>
+            <a:off x="838200" y="540913"/>
+            <a:ext cx="10515600" cy="5636050"/>
+          </a:xfrm>
+        </p:spPr>
+        <p:txBody>
+          <a:bodyPr/>
+          <a:lstStyle/>
+          <a:p>
+            <a:pPr marL="0" indent="0">
+              <a:buNone/>
+            </a:pPr>
+            <a:r>
+              <a:rPr lang="en-US" altLang="zh-TW" dirty="0" smtClean="0"/>
+              <a:t>Reference and resources:</a:t>
+            </a:r>
+          </a:p>
+          <a:p>
+            <a:pPr marL="0" indent="0">
+              <a:buNone/>
+            </a:pPr>
+            <a:endParaRPr lang="en-US" altLang="zh-TW" dirty="0" smtClean="0"/>
+          </a:p>
+          <a:p>
+            <a:r>
+              <a:rPr lang="en-US" altLang="zh-TW" dirty="0" smtClean="0">
+                <a:hlinkClick r:id="rId2"/>
+              </a:rPr>
+              <a:t>https</a:t>
+            </a:r>
+            <a:r>
+              <a:rPr lang="en-US" altLang="zh-TW" dirty="0">
+                <a:hlinkClick r:id="rId2"/>
+              </a:rPr>
+              <a:t>://</a:t>
+            </a:r>
+            <a:r>
+              <a:rPr lang="en-US" altLang="zh-TW" dirty="0" smtClean="0">
+                <a:hlinkClick r:id="rId2"/>
+              </a:rPr>
+              <a:t>github.com/kidscancode/pygame_tutorials</a:t>
+            </a:r>
+            <a:endParaRPr lang="en-US" altLang="zh-TW" dirty="0" smtClean="0"/>
+          </a:p>
+          <a:p>
+            <a:r>
+              <a:rPr lang="en-US" altLang="zh-TW" dirty="0">
+                <a:hlinkClick r:id="rId3"/>
+              </a:rPr>
+              <a:t>https://</a:t>
+            </a:r>
+            <a:r>
+              <a:rPr lang="en-US" altLang="zh-TW" dirty="0" smtClean="0">
+                <a:hlinkClick r:id="rId3"/>
+              </a:rPr>
+              <a:t>opengameart.org/art-search?keys=kenney</a:t>
+            </a:r>
+            <a:endParaRPr lang="en-US" altLang="zh-TW" dirty="0" smtClean="0"/>
+          </a:p>
+          <a:p>
+            <a:r>
+              <a:rPr lang="en-US" altLang="zh-TW" dirty="0">
+                <a:hlinkClick r:id="rId4"/>
+              </a:rPr>
+              <a:t>https://www.mapeditor.org/</a:t>
+            </a:r>
+            <a:endParaRPr lang="en-US" altLang="zh-TW" dirty="0"/>
+          </a:p>
+          <a:p>
+            <a:endParaRPr lang="en-US" altLang="zh-TW" dirty="0" smtClean="0"/>
+          </a:p>
+          <a:p>
+            <a:endParaRPr lang="zh-TW" altLang="en-US" dirty="0"/>
+          </a:p>
+        </p:txBody>
+      </p:sp>
+    </p:spTree>
+    <p:extLst>
+      <p:ext uri="{BB962C8B-B14F-4D97-AF65-F5344CB8AC3E}">
+        <p14:creationId xmlns:p14="http://schemas.microsoft.com/office/powerpoint/2010/main" val="1223797363"/>
+      </p:ext>
+    </p:extLst>
+  </p:cSld>
+  <p:clrMapOvr>
+    <a:masterClrMapping/>
+  </p:clrMapOvr>
+  <p:timing>
+    <p:tnLst>
+      <p:par>
+        <p:cTn id="1" dur="indefinite" restart="never" nodeType="tmRoot"/>
+      </p:par>
+    </p:tnLst>
+  </p:timing>
+</p:sld>
+</file>
+
 <file path=ppt/slides/slide4.xml><?xml version="1.0" encoding="utf-8"?>
 <p:sld xmlns:a="http://schemas.openxmlformats.org/drawingml/2006/main" xmlns:r="http://schemas.openxmlformats.org/officeDocument/2006/relationships" xmlns:p="http://schemas.openxmlformats.org/presentationml/2006/main">
   <p:cSld>
@@ -8123,11 +9622,11 @@
             </a:r>
             <a:r>
               <a:rPr lang="en-US" altLang="zh-TW" sz="1800" dirty="0" smtClean="0"/>
-              <a:t>	super(</a:t>
-            </a:r>
-            <a:r>
-              <a:rPr lang="en-US" altLang="zh-TW" sz="1800" dirty="0" err="1" smtClean="0"/>
-              <a:t>haman</a:t>
+              <a:t>	</a:t>
+            </a:r>
+            <a:r>
+              <a:rPr lang="en-US" altLang="zh-TW" sz="1800" dirty="0" smtClean="0"/>
+              <a:t>super(human</a:t>
             </a:r>
             <a:r>
               <a:rPr lang="en-US" altLang="zh-TW" sz="1800" dirty="0" smtClean="0"/>
@@ -9157,4 +10656,265 @@
     </a:ext>
   </a:extLst>
 </a:theme>
+</file>
+
+<file path=ppt/theme/theme2.xml><?xml version="1.0" encoding="utf-8"?>
+<a:theme xmlns:a="http://schemas.openxmlformats.org/drawingml/2006/main" name="Office Theme">
+  <a:themeElements>
+    <a:clrScheme name="Office">
+      <a:dk1>
+        <a:sysClr val="windowText" lastClr="000000"/>
+      </a:dk1>
+      <a:lt1>
+        <a:sysClr val="window" lastClr="FFFFFF"/>
+      </a:lt1>
+      <a:dk2>
+        <a:srgbClr val="44546A"/>
+      </a:dk2>
+      <a:lt2>
+        <a:srgbClr val="E7E6E6"/>
+      </a:lt2>
+      <a:accent1>
+        <a:srgbClr val="5B9BD5"/>
+      </a:accent1>
+      <a:accent2>
+        <a:srgbClr val="ED7D31"/>
+      </a:accent2>
+      <a:accent3>
+        <a:srgbClr val="A5A5A5"/>
+      </a:accent3>
+      <a:accent4>
+        <a:srgbClr val="FFC000"/>
+      </a:accent4>
+      <a:accent5>
+        <a:srgbClr val="4472C4"/>
+      </a:accent5>
+      <a:accent6>
+        <a:srgbClr val="70AD47"/>
+      </a:accent6>
+      <a:hlink>
+        <a:srgbClr val="0563C1"/>
+      </a:hlink>
+      <a:folHlink>
+        <a:srgbClr val="954F72"/>
+      </a:folHlink>
+    </a:clrScheme>
+    <a:fontScheme name="Office">
+      <a:majorFont>
+        <a:latin typeface="Calibri Light" panose="020F0302020204030204"/>
+        <a:ea typeface=""/>
+        <a:cs typeface=""/>
+        <a:font script="Jpan" typeface="游ゴシック Light"/>
+        <a:font script="Hang" typeface="맑은 고딕"/>
+        <a:font script="Hans" typeface="等线 Light"/>
+        <a:font script="Hant" typeface="新細明體"/>
+        <a:font script="Arab" typeface="Times New Roman"/>
+        <a:font script="Hebr" typeface="Times New Roman"/>
+        <a:font script="Thai" typeface="Angsana New"/>
+        <a:font script="Ethi" typeface="Nyala"/>
+        <a:font script="Beng" typeface="Vrinda"/>
+        <a:font script="Gujr" typeface="Shruti"/>
+        <a:font script="Khmr" typeface="MoolBoran"/>
+        <a:font script="Knda" typeface="Tunga"/>
+        <a:font script="Guru" typeface="Raavi"/>
+        <a:font script="Cans" typeface="Euphemia"/>
+        <a:font script="Cher" typeface="Plantagenet Cherokee"/>
+        <a:font script="Yiii" typeface="Microsoft Yi Baiti"/>
+        <a:font script="Tibt" typeface="Microsoft Himalaya"/>
+        <a:font script="Thaa" typeface="MV Boli"/>
+        <a:font script="Deva" typeface="Mangal"/>
+        <a:font script="Telu" typeface="Gautami"/>
+        <a:font script="Taml" typeface="Latha"/>
+        <a:font script="Syrc" typeface="Estrangelo Edessa"/>
+        <a:font script="Orya" typeface="Kalinga"/>
+        <a:font script="Mlym" typeface="Kartika"/>
+        <a:font script="Laoo" typeface="DokChampa"/>
+        <a:font script="Sinh" typeface="Iskoola Pota"/>
+        <a:font script="Mong" typeface="Mongolian Baiti"/>
+        <a:font script="Viet" typeface="Times New Roman"/>
+        <a:font script="Uigh" typeface="Microsoft Uighur"/>
+        <a:font script="Geor" typeface="Sylfaen"/>
+      </a:majorFont>
+      <a:minorFont>
+        <a:latin typeface="Calibri" panose="020F0502020204030204"/>
+        <a:ea typeface=""/>
+        <a:cs typeface=""/>
+        <a:font script="Jpan" typeface="游ゴシック"/>
+        <a:font script="Hang" typeface="맑은 고딕"/>
+        <a:font script="Hans" typeface="等线"/>
+        <a:font script="Hant" typeface="新細明體"/>
+        <a:font script="Arab" typeface="Arial"/>
+        <a:font script="Hebr" typeface="Arial"/>
+        <a:font script="Thai" typeface="Cordia New"/>
+        <a:font script="Ethi" typeface="Nyala"/>
+        <a:font script="Beng" typeface="Vrinda"/>
+        <a:font script="Gujr" typeface="Shruti"/>
+        <a:font script="Khmr" typeface="DaunPenh"/>
+        <a:font script="Knda" typeface="Tunga"/>
+        <a:font script="Guru" typeface="Raavi"/>
+        <a:font script="Cans" typeface="Euphemia"/>
+        <a:font script="Cher" typeface="Plantagenet Cherokee"/>
+        <a:font script="Yiii" typeface="Microsoft Yi Baiti"/>
+        <a:font script="Tibt" typeface="Microsoft Himalaya"/>
+        <a:font script="Thaa" typeface="MV Boli"/>
+        <a:font script="Deva" typeface="Mangal"/>
+        <a:font script="Telu" typeface="Gautami"/>
+        <a:font script="Taml" typeface="Latha"/>
+        <a:font script="Syrc" typeface="Estrangelo Edessa"/>
+        <a:font script="Orya" typeface="Kalinga"/>
+        <a:font script="Mlym" typeface="Kartika"/>
+        <a:font script="Laoo" typeface="DokChampa"/>
+        <a:font script="Sinh" typeface="Iskoola Pota"/>
+        <a:font script="Mong" typeface="Mongolian Baiti"/>
+        <a:font script="Viet" typeface="Arial"/>
+        <a:font script="Uigh" typeface="Microsoft Uighur"/>
+        <a:font script="Geor" typeface="Sylfaen"/>
+      </a:minorFont>
+    </a:fontScheme>
+    <a:fmtScheme name="Office">
+      <a:fillStyleLst>
+        <a:solidFill>
+          <a:schemeClr val="phClr"/>
+        </a:solidFill>
+        <a:gradFill rotWithShape="1">
+          <a:gsLst>
+            <a:gs pos="0">
+              <a:schemeClr val="phClr">
+                <a:lumMod val="110000"/>
+                <a:satMod val="105000"/>
+                <a:tint val="67000"/>
+              </a:schemeClr>
+            </a:gs>
+            <a:gs pos="50000">
+              <a:schemeClr val="phClr">
+                <a:lumMod val="105000"/>
+                <a:satMod val="103000"/>
+                <a:tint val="73000"/>
+              </a:schemeClr>
+            </a:gs>
+            <a:gs pos="100000">
+              <a:schemeClr val="phClr">
+                <a:lumMod val="105000"/>
+                <a:satMod val="109000"/>
+                <a:tint val="81000"/>
+              </a:schemeClr>
+            </a:gs>
+          </a:gsLst>
+          <a:lin ang="5400000" scaled="0"/>
+        </a:gradFill>
+        <a:gradFill rotWithShape="1">
+          <a:gsLst>
+            <a:gs pos="0">
+              <a:schemeClr val="phClr">
+                <a:satMod val="103000"/>
+                <a:lumMod val="102000"/>
+                <a:tint val="94000"/>
+              </a:schemeClr>
+            </a:gs>
+            <a:gs pos="50000">
+              <a:schemeClr val="phClr">
+                <a:satMod val="110000"/>
+                <a:lumMod val="100000"/>
+                <a:shade val="100000"/>
+              </a:schemeClr>
+            </a:gs>
+            <a:gs pos="100000">
+              <a:schemeClr val="phClr">
+                <a:lumMod val="99000"/>
+                <a:satMod val="120000"/>
+                <a:shade val="78000"/>
+              </a:schemeClr>
+            </a:gs>
+          </a:gsLst>
+          <a:lin ang="5400000" scaled="0"/>
+        </a:gradFill>
+      </a:fillStyleLst>
+      <a:lnStyleLst>
+        <a:ln w="6350" cap="flat" cmpd="sng" algn="ctr">
+          <a:solidFill>
+            <a:schemeClr val="phClr"/>
+          </a:solidFill>
+          <a:prstDash val="solid"/>
+          <a:miter lim="800000"/>
+        </a:ln>
+        <a:ln w="12700" cap="flat" cmpd="sng" algn="ctr">
+          <a:solidFill>
+            <a:schemeClr val="phClr"/>
+          </a:solidFill>
+          <a:prstDash val="solid"/>
+          <a:miter lim="800000"/>
+        </a:ln>
+        <a:ln w="19050" cap="flat" cmpd="sng" algn="ctr">
+          <a:solidFill>
+            <a:schemeClr val="phClr"/>
+          </a:solidFill>
+          <a:prstDash val="solid"/>
+          <a:miter lim="800000"/>
+        </a:ln>
+      </a:lnStyleLst>
+      <a:effectStyleLst>
+        <a:effectStyle>
+          <a:effectLst/>
+        </a:effectStyle>
+        <a:effectStyle>
+          <a:effectLst/>
+        </a:effectStyle>
+        <a:effectStyle>
+          <a:effectLst>
+            <a:outerShdw blurRad="57150" dist="19050" dir="5400000" algn="ctr" rotWithShape="0">
+              <a:srgbClr val="000000">
+                <a:alpha val="63000"/>
+              </a:srgbClr>
+            </a:outerShdw>
+          </a:effectLst>
+        </a:effectStyle>
+      </a:effectStyleLst>
+      <a:bgFillStyleLst>
+        <a:solidFill>
+          <a:schemeClr val="phClr"/>
+        </a:solidFill>
+        <a:solidFill>
+          <a:schemeClr val="phClr">
+            <a:tint val="95000"/>
+            <a:satMod val="170000"/>
+          </a:schemeClr>
+        </a:solidFill>
+        <a:gradFill rotWithShape="1">
+          <a:gsLst>
+            <a:gs pos="0">
+              <a:schemeClr val="phClr">
+                <a:tint val="93000"/>
+                <a:satMod val="150000"/>
+                <a:shade val="98000"/>
+                <a:lumMod val="102000"/>
+              </a:schemeClr>
+            </a:gs>
+            <a:gs pos="50000">
+              <a:schemeClr val="phClr">
+                <a:tint val="98000"/>
+                <a:satMod val="130000"/>
+                <a:shade val="90000"/>
+                <a:lumMod val="103000"/>
+              </a:schemeClr>
+            </a:gs>
+            <a:gs pos="100000">
+              <a:schemeClr val="phClr">
+                <a:shade val="63000"/>
+                <a:satMod val="120000"/>
+              </a:schemeClr>
+            </a:gs>
+          </a:gsLst>
+          <a:lin ang="5400000" scaled="0"/>
+        </a:gradFill>
+      </a:bgFillStyleLst>
+    </a:fmtScheme>
+  </a:themeElements>
+  <a:objectDefaults/>
+  <a:extraClrSchemeLst/>
+  <a:extLst>
+    <a:ext uri="{05A4C25C-085E-4340-85A3-A5531E510DB2}">
+      <thm15:themeFamily xmlns:thm15="http://schemas.microsoft.com/office/thememl/2012/main" name="Office Theme" id="{62F939B6-93AF-4DB8-9C6B-D6C7DFDC589F}" vid="{4A3C46E8-61CC-4603-A589-7422A47A8E4A}"/>
+    </a:ext>
+  </a:extLst>
+</a:theme>
 </file>
--- a/2018電資營_資工實作_game.pptx
+++ b/2018電資營_資工實作_game.pptx
@@ -229,7 +229,7 @@
           <a:p>
             <a:fld id="{81D37F68-D007-42A8-98FA-86BD767A2913}" type="datetimeFigureOut">
               <a:rPr lang="zh-TW" altLang="en-US" smtClean="0"/>
-              <a:t>2018/7/1</a:t>
+              <a:t>2018/7/2</a:t>
             </a:fld>
             <a:endParaRPr lang="zh-TW" altLang="en-US"/>
           </a:p>
@@ -712,7 +712,7 @@
           <a:p>
             <a:fld id="{0A98B449-21C6-4E71-BF89-A0D90E337458}" type="datetimeFigureOut">
               <a:rPr lang="zh-TW" altLang="en-US" smtClean="0"/>
-              <a:t>2018/7/1</a:t>
+              <a:t>2018/7/2</a:t>
             </a:fld>
             <a:endParaRPr lang="zh-TW" altLang="en-US"/>
           </a:p>
@@ -882,7 +882,7 @@
           <a:p>
             <a:fld id="{0A98B449-21C6-4E71-BF89-A0D90E337458}" type="datetimeFigureOut">
               <a:rPr lang="zh-TW" altLang="en-US" smtClean="0"/>
-              <a:t>2018/7/1</a:t>
+              <a:t>2018/7/2</a:t>
             </a:fld>
             <a:endParaRPr lang="zh-TW" altLang="en-US"/>
           </a:p>
@@ -1062,7 +1062,7 @@
           <a:p>
             <a:fld id="{0A98B449-21C6-4E71-BF89-A0D90E337458}" type="datetimeFigureOut">
               <a:rPr lang="zh-TW" altLang="en-US" smtClean="0"/>
-              <a:t>2018/7/1</a:t>
+              <a:t>2018/7/2</a:t>
             </a:fld>
             <a:endParaRPr lang="zh-TW" altLang="en-US"/>
           </a:p>
@@ -1232,7 +1232,7 @@
           <a:p>
             <a:fld id="{0A98B449-21C6-4E71-BF89-A0D90E337458}" type="datetimeFigureOut">
               <a:rPr lang="zh-TW" altLang="en-US" smtClean="0"/>
-              <a:t>2018/7/1</a:t>
+              <a:t>2018/7/2</a:t>
             </a:fld>
             <a:endParaRPr lang="zh-TW" altLang="en-US"/>
           </a:p>
@@ -1478,7 +1478,7 @@
           <a:p>
             <a:fld id="{0A98B449-21C6-4E71-BF89-A0D90E337458}" type="datetimeFigureOut">
               <a:rPr lang="zh-TW" altLang="en-US" smtClean="0"/>
-              <a:t>2018/7/1</a:t>
+              <a:t>2018/7/2</a:t>
             </a:fld>
             <a:endParaRPr lang="zh-TW" altLang="en-US"/>
           </a:p>
@@ -1710,7 +1710,7 @@
           <a:p>
             <a:fld id="{0A98B449-21C6-4E71-BF89-A0D90E337458}" type="datetimeFigureOut">
               <a:rPr lang="zh-TW" altLang="en-US" smtClean="0"/>
-              <a:t>2018/7/1</a:t>
+              <a:t>2018/7/2</a:t>
             </a:fld>
             <a:endParaRPr lang="zh-TW" altLang="en-US"/>
           </a:p>
@@ -2077,7 +2077,7 @@
           <a:p>
             <a:fld id="{0A98B449-21C6-4E71-BF89-A0D90E337458}" type="datetimeFigureOut">
               <a:rPr lang="zh-TW" altLang="en-US" smtClean="0"/>
-              <a:t>2018/7/1</a:t>
+              <a:t>2018/7/2</a:t>
             </a:fld>
             <a:endParaRPr lang="zh-TW" altLang="en-US"/>
           </a:p>
@@ -2195,7 +2195,7 @@
           <a:p>
             <a:fld id="{0A98B449-21C6-4E71-BF89-A0D90E337458}" type="datetimeFigureOut">
               <a:rPr lang="zh-TW" altLang="en-US" smtClean="0"/>
-              <a:t>2018/7/1</a:t>
+              <a:t>2018/7/2</a:t>
             </a:fld>
             <a:endParaRPr lang="zh-TW" altLang="en-US"/>
           </a:p>
@@ -2290,7 +2290,7 @@
           <a:p>
             <a:fld id="{0A98B449-21C6-4E71-BF89-A0D90E337458}" type="datetimeFigureOut">
               <a:rPr lang="zh-TW" altLang="en-US" smtClean="0"/>
-              <a:t>2018/7/1</a:t>
+              <a:t>2018/7/2</a:t>
             </a:fld>
             <a:endParaRPr lang="zh-TW" altLang="en-US"/>
           </a:p>
@@ -2567,7 +2567,7 @@
           <a:p>
             <a:fld id="{0A98B449-21C6-4E71-BF89-A0D90E337458}" type="datetimeFigureOut">
               <a:rPr lang="zh-TW" altLang="en-US" smtClean="0"/>
-              <a:t>2018/7/1</a:t>
+              <a:t>2018/7/2</a:t>
             </a:fld>
             <a:endParaRPr lang="zh-TW" altLang="en-US"/>
           </a:p>
@@ -2820,7 +2820,7 @@
           <a:p>
             <a:fld id="{0A98B449-21C6-4E71-BF89-A0D90E337458}" type="datetimeFigureOut">
               <a:rPr lang="zh-TW" altLang="en-US" smtClean="0"/>
-              <a:t>2018/7/1</a:t>
+              <a:t>2018/7/2</a:t>
             </a:fld>
             <a:endParaRPr lang="zh-TW" altLang="en-US"/>
           </a:p>
@@ -3033,7 +3033,7 @@
           <a:p>
             <a:fld id="{0A98B449-21C6-4E71-BF89-A0D90E337458}" type="datetimeFigureOut">
               <a:rPr lang="zh-TW" altLang="en-US" smtClean="0"/>
-              <a:t>2018/7/1</a:t>
+              <a:t>2018/7/2</a:t>
             </a:fld>
             <a:endParaRPr lang="zh-TW" altLang="en-US"/>
           </a:p>
@@ -5373,7 +5373,7 @@
         <p:spPr>
           <a:xfrm>
             <a:off x="425003" y="2485623"/>
-            <a:ext cx="4958366" cy="4154984"/>
+            <a:ext cx="4958366" cy="4893647"/>
           </a:xfrm>
           <a:prstGeom prst="rect">
             <a:avLst/>
@@ -5469,23 +5469,49 @@
           </a:p>
           <a:p>
             <a:r>
+              <a:rPr lang="en-US" altLang="zh-TW" sz="2400" dirty="0" smtClean="0"/>
+              <a:t>print(</a:t>
+            </a:r>
+            <a:r>
               <a:rPr lang="en-US" altLang="zh-TW" sz="2400" dirty="0" err="1" smtClean="0"/>
               <a:t>v.x</a:t>
             </a:r>
             <a:r>
               <a:rPr lang="en-US" altLang="zh-TW" sz="2400" dirty="0" smtClean="0"/>
-              <a:t> = 1</a:t>
-            </a:r>
-          </a:p>
-          <a:p>
+              <a:t>)</a:t>
+            </a:r>
+          </a:p>
+          <a:p>
+            <a:r>
+              <a:rPr lang="en-US" altLang="zh-TW" sz="2400" dirty="0" smtClean="0"/>
+              <a:t>1</a:t>
+            </a:r>
+            <a:endParaRPr lang="en-US" altLang="zh-TW" sz="2400" dirty="0" smtClean="0"/>
+          </a:p>
+          <a:p>
+            <a:r>
+              <a:rPr lang="en-US" altLang="zh-TW" sz="2400" dirty="0"/>
+              <a:t>p</a:t>
+            </a:r>
+            <a:r>
+              <a:rPr lang="en-US" altLang="zh-TW" sz="2400" dirty="0" smtClean="0"/>
+              <a:t>rint(</a:t>
+            </a:r>
             <a:r>
               <a:rPr lang="en-US" altLang="zh-TW" sz="2400" dirty="0" err="1" smtClean="0"/>
               <a:t>v.y</a:t>
             </a:r>
             <a:r>
               <a:rPr lang="en-US" altLang="zh-TW" sz="2400" dirty="0" smtClean="0"/>
-              <a:t> = 2</a:t>
-            </a:r>
+              <a:t>)</a:t>
+            </a:r>
+          </a:p>
+          <a:p>
+            <a:r>
+              <a:rPr lang="en-US" altLang="zh-TW" sz="2400" dirty="0" smtClean="0"/>
+              <a:t>2</a:t>
+            </a:r>
+            <a:endParaRPr lang="en-US" altLang="zh-TW" sz="2400" dirty="0" smtClean="0"/>
           </a:p>
           <a:p>
             <a:endParaRPr lang="en-US" altLang="zh-TW" sz="2400" dirty="0"/>
@@ -9622,15 +9648,7 @@
             </a:r>
             <a:r>
               <a:rPr lang="en-US" altLang="zh-TW" sz="1800" dirty="0" smtClean="0"/>
-              <a:t>	</a:t>
-            </a:r>
-            <a:r>
-              <a:rPr lang="en-US" altLang="zh-TW" sz="1800" dirty="0" smtClean="0"/>
-              <a:t>super(human</a:t>
-            </a:r>
-            <a:r>
-              <a:rPr lang="en-US" altLang="zh-TW" sz="1800" dirty="0" smtClean="0"/>
-              <a:t>, self).__</a:t>
+              <a:t>	super(human, self).__</a:t>
             </a:r>
             <a:r>
               <a:rPr lang="en-US" altLang="zh-TW" sz="1800" dirty="0" err="1" smtClean="0"/>

--- a/2018電資營_資工實作_game.pptx
+++ b/2018電資營_資工實作_game.pptx
@@ -5486,7 +5486,6 @@
               <a:rPr lang="en-US" altLang="zh-TW" sz="2400" dirty="0" smtClean="0"/>
               <a:t>1</a:t>
             </a:r>
-            <a:endParaRPr lang="en-US" altLang="zh-TW" sz="2400" dirty="0" smtClean="0"/>
           </a:p>
           <a:p>
             <a:r>
@@ -5511,7 +5510,6 @@
               <a:rPr lang="en-US" altLang="zh-TW" sz="2400" dirty="0" smtClean="0"/>
               <a:t>2</a:t>
             </a:r>
-            <a:endParaRPr lang="en-US" altLang="zh-TW" sz="2400" dirty="0" smtClean="0"/>
           </a:p>
           <a:p>
             <a:endParaRPr lang="en-US" altLang="zh-TW" sz="2400" dirty="0"/>
@@ -5624,7 +5622,7 @@
         <p:spPr>
           <a:xfrm>
             <a:off x="6954592" y="1867436"/>
-            <a:ext cx="4893971" cy="3416320"/>
+            <a:ext cx="4893971" cy="4154984"/>
           </a:xfrm>
           <a:prstGeom prst="rect">
             <a:avLst/>
@@ -5724,15 +5722,23 @@
             </a:r>
             <a:r>
               <a:rPr lang="zh-TW" altLang="en-US" sz="2400" dirty="0" smtClean="0"/>
-              <a:t>鏡頭應該要跟著</a:t>
+              <a:t>鏡頭</a:t>
             </a:r>
             <a:r>
               <a:rPr lang="en-US" altLang="zh-TW" sz="2400" dirty="0" smtClean="0"/>
-              <a:t>target</a:t>
+              <a:t>(</a:t>
             </a:r>
             <a:r>
               <a:rPr lang="zh-TW" altLang="en-US" sz="2400" dirty="0" smtClean="0"/>
-              <a:t>移動</a:t>
+              <a:t>也就是我們的視窗</a:t>
+            </a:r>
+            <a:r>
+              <a:rPr lang="en-US" altLang="zh-TW" sz="2400" dirty="0" smtClean="0"/>
+              <a:t>)</a:t>
+            </a:r>
+            <a:r>
+              <a:rPr lang="zh-TW" altLang="en-US" sz="2400" dirty="0" smtClean="0"/>
+              <a:t>是固定的</a:t>
             </a:r>
             <a:r>
               <a:rPr lang="en-US" altLang="zh-TW" sz="2400" dirty="0" smtClean="0"/>
@@ -5740,19 +5746,35 @@
             </a:r>
             <a:r>
               <a:rPr lang="zh-TW" altLang="en-US" sz="2400" dirty="0" smtClean="0"/>
-              <a:t>在這裡我們的</a:t>
+              <a:t>左上角為</a:t>
             </a:r>
             <a:r>
               <a:rPr lang="en-US" altLang="zh-TW" sz="2400" dirty="0" smtClean="0"/>
-              <a:t>target</a:t>
+              <a:t>(0,0), update</a:t>
             </a:r>
             <a:r>
               <a:rPr lang="zh-TW" altLang="en-US" sz="2400" dirty="0" smtClean="0"/>
-              <a:t>就是遊戲主角本身</a:t>
+              <a:t>改的並不是我們鏡頭的位置</a:t>
             </a:r>
             <a:r>
               <a:rPr lang="en-US" altLang="zh-TW" sz="2400" dirty="0" smtClean="0"/>
-              <a:t>.</a:t>
+              <a:t>, </a:t>
+            </a:r>
+            <a:r>
+              <a:rPr lang="zh-TW" altLang="en-US" sz="2400" dirty="0" smtClean="0"/>
+              <a:t>而是整個地圖對於視窗的移動量</a:t>
+            </a:r>
+            <a:r>
+              <a:rPr lang="en-US" altLang="zh-TW" sz="2400" dirty="0" smtClean="0"/>
+              <a:t>. (</a:t>
+            </a:r>
+            <a:r>
+              <a:rPr lang="zh-TW" altLang="en-US" sz="2400" dirty="0" smtClean="0"/>
+              <a:t>挺難懂的</a:t>
+            </a:r>
+            <a:r>
+              <a:rPr lang="en-US" altLang="zh-TW" sz="2400" dirty="0" smtClean="0"/>
+              <a:t>….)</a:t>
             </a:r>
             <a:endParaRPr lang="en-US" altLang="zh-TW" sz="2400" dirty="0"/>
           </a:p>
@@ -6728,7 +6750,23 @@
             </a:pPr>
             <a:r>
               <a:rPr lang="en-US" altLang="zh-TW" dirty="0" smtClean="0"/>
-              <a:t> keys = </a:t>
+              <a:t> </a:t>
+            </a:r>
+            <a:r>
+              <a:rPr lang="zh-TW" altLang="en-US" dirty="0"/>
+              <a:t> </a:t>
+            </a:r>
+            <a:r>
+              <a:rPr lang="zh-TW" altLang="en-US" dirty="0" smtClean="0"/>
+              <a:t>      </a:t>
+            </a:r>
+            <a:r>
+              <a:rPr lang="en-US" altLang="zh-TW" dirty="0" smtClean="0"/>
+              <a:t>keys </a:t>
+            </a:r>
+            <a:r>
+              <a:rPr lang="en-US" altLang="zh-TW" dirty="0" smtClean="0"/>
+              <a:t>= </a:t>
             </a:r>
             <a:r>
               <a:rPr lang="en-US" altLang="zh-TW" dirty="0" err="1" smtClean="0"/>
